--- a/Presentacion Proyecto Final.pptx
+++ b/Presentacion Proyecto Final.pptx
@@ -399,7 +399,7 @@
           <a:p>
             <a:fld id="{2BCD40F9-9AEF-4566-9519-3BC9146DCCE9}" type="datetimeFigureOut">
               <a:rPr lang="es-AR" smtClean="0"/>
-              <a:t>31/1/2023</a:t>
+              <a:t>6/2/2023</a:t>
             </a:fld>
             <a:endParaRPr lang="es-AR"/>
           </a:p>
@@ -813,7 +813,7 @@
           <a:p>
             <a:fld id="{2BCD40F9-9AEF-4566-9519-3BC9146DCCE9}" type="datetimeFigureOut">
               <a:rPr lang="es-AR" smtClean="0"/>
-              <a:t>31/1/2023</a:t>
+              <a:t>6/2/2023</a:t>
             </a:fld>
             <a:endParaRPr lang="es-AR"/>
           </a:p>
@@ -1149,7 +1149,7 @@
           <a:p>
             <a:fld id="{2BCD40F9-9AEF-4566-9519-3BC9146DCCE9}" type="datetimeFigureOut">
               <a:rPr lang="es-AR" smtClean="0"/>
-              <a:t>31/1/2023</a:t>
+              <a:t>6/2/2023</a:t>
             </a:fld>
             <a:endParaRPr lang="es-AR"/>
           </a:p>
@@ -1554,7 +1554,7 @@
           <a:p>
             <a:fld id="{2BCD40F9-9AEF-4566-9519-3BC9146DCCE9}" type="datetimeFigureOut">
               <a:rPr lang="es-AR" smtClean="0"/>
-              <a:t>31/1/2023</a:t>
+              <a:t>6/2/2023</a:t>
             </a:fld>
             <a:endParaRPr lang="es-AR"/>
           </a:p>
@@ -2122,7 +2122,7 @@
           <a:p>
             <a:fld id="{2BCD40F9-9AEF-4566-9519-3BC9146DCCE9}" type="datetimeFigureOut">
               <a:rPr lang="es-AR" smtClean="0"/>
-              <a:t>31/1/2023</a:t>
+              <a:t>6/2/2023</a:t>
             </a:fld>
             <a:endParaRPr lang="es-AR"/>
           </a:p>
@@ -2803,7 +2803,7 @@
           <a:p>
             <a:fld id="{2BCD40F9-9AEF-4566-9519-3BC9146DCCE9}" type="datetimeFigureOut">
               <a:rPr lang="es-AR" smtClean="0"/>
-              <a:t>31/1/2023</a:t>
+              <a:t>6/2/2023</a:t>
             </a:fld>
             <a:endParaRPr lang="es-AR"/>
           </a:p>
@@ -3716,7 +3716,7 @@
           <a:p>
             <a:fld id="{2BCD40F9-9AEF-4566-9519-3BC9146DCCE9}" type="datetimeFigureOut">
               <a:rPr lang="es-AR" smtClean="0"/>
-              <a:t>31/1/2023</a:t>
+              <a:t>6/2/2023</a:t>
             </a:fld>
             <a:endParaRPr lang="es-AR"/>
           </a:p>
@@ -4029,7 +4029,7 @@
           <a:p>
             <a:fld id="{2BCD40F9-9AEF-4566-9519-3BC9146DCCE9}" type="datetimeFigureOut">
               <a:rPr lang="es-AR" smtClean="0"/>
-              <a:t>31/1/2023</a:t>
+              <a:t>6/2/2023</a:t>
             </a:fld>
             <a:endParaRPr lang="es-AR"/>
           </a:p>
@@ -4293,7 +4293,7 @@
           <a:p>
             <a:fld id="{2BCD40F9-9AEF-4566-9519-3BC9146DCCE9}" type="datetimeFigureOut">
               <a:rPr lang="es-AR" smtClean="0"/>
-              <a:t>31/1/2023</a:t>
+              <a:t>6/2/2023</a:t>
             </a:fld>
             <a:endParaRPr lang="es-AR"/>
           </a:p>
@@ -4616,7 +4616,7 @@
           <a:p>
             <a:fld id="{2BCD40F9-9AEF-4566-9519-3BC9146DCCE9}" type="datetimeFigureOut">
               <a:rPr lang="es-AR" smtClean="0"/>
-              <a:t>31/1/2023</a:t>
+              <a:t>6/2/2023</a:t>
             </a:fld>
             <a:endParaRPr lang="es-AR"/>
           </a:p>
@@ -5005,7 +5005,7 @@
           <a:p>
             <a:fld id="{2BCD40F9-9AEF-4566-9519-3BC9146DCCE9}" type="datetimeFigureOut">
               <a:rPr lang="es-AR" smtClean="0"/>
-              <a:t>31/1/2023</a:t>
+              <a:t>6/2/2023</a:t>
             </a:fld>
             <a:endParaRPr lang="es-AR"/>
           </a:p>
@@ -5381,7 +5381,7 @@
           <a:p>
             <a:fld id="{2BCD40F9-9AEF-4566-9519-3BC9146DCCE9}" type="datetimeFigureOut">
               <a:rPr lang="es-AR" smtClean="0"/>
-              <a:t>31/1/2023</a:t>
+              <a:t>6/2/2023</a:t>
             </a:fld>
             <a:endParaRPr lang="es-AR"/>
           </a:p>
@@ -5887,7 +5887,7 @@
           <a:p>
             <a:fld id="{2BCD40F9-9AEF-4566-9519-3BC9146DCCE9}" type="datetimeFigureOut">
               <a:rPr lang="es-AR" smtClean="0"/>
-              <a:t>31/1/2023</a:t>
+              <a:t>6/2/2023</a:t>
             </a:fld>
             <a:endParaRPr lang="es-AR"/>
           </a:p>
@@ -6144,7 +6144,7 @@
           <a:p>
             <a:fld id="{2BCD40F9-9AEF-4566-9519-3BC9146DCCE9}" type="datetimeFigureOut">
               <a:rPr lang="es-AR" smtClean="0"/>
-              <a:t>31/1/2023</a:t>
+              <a:t>6/2/2023</a:t>
             </a:fld>
             <a:endParaRPr lang="es-AR"/>
           </a:p>
@@ -6307,7 +6307,7 @@
           <a:p>
             <a:fld id="{2BCD40F9-9AEF-4566-9519-3BC9146DCCE9}" type="datetimeFigureOut">
               <a:rPr lang="es-AR" smtClean="0"/>
-              <a:t>31/1/2023</a:t>
+              <a:t>6/2/2023</a:t>
             </a:fld>
             <a:endParaRPr lang="es-AR"/>
           </a:p>
@@ -6697,7 +6697,7 @@
           <a:p>
             <a:fld id="{2BCD40F9-9AEF-4566-9519-3BC9146DCCE9}" type="datetimeFigureOut">
               <a:rPr lang="es-AR" smtClean="0"/>
-              <a:t>31/1/2023</a:t>
+              <a:t>6/2/2023</a:t>
             </a:fld>
             <a:endParaRPr lang="es-AR"/>
           </a:p>
@@ -7106,7 +7106,7 @@
           <a:p>
             <a:fld id="{2BCD40F9-9AEF-4566-9519-3BC9146DCCE9}" type="datetimeFigureOut">
               <a:rPr lang="es-AR" smtClean="0"/>
-              <a:t>31/1/2023</a:t>
+              <a:t>6/2/2023</a:t>
             </a:fld>
             <a:endParaRPr lang="es-AR"/>
           </a:p>
@@ -7350,7 +7350,7 @@
           <a:p>
             <a:fld id="{2BCD40F9-9AEF-4566-9519-3BC9146DCCE9}" type="datetimeFigureOut">
               <a:rPr lang="es-AR" smtClean="0"/>
-              <a:t>31/1/2023</a:t>
+              <a:t>6/2/2023</a:t>
             </a:fld>
             <a:endParaRPr lang="es-AR"/>
           </a:p>
@@ -9604,15 +9604,63 @@
             <p:ph idx="1"/>
           </p:nvPr>
         </p:nvSpPr>
-        <p:spPr/>
+        <p:spPr>
+          <a:xfrm>
+            <a:off x="680321" y="3101075"/>
+            <a:ext cx="4515793" cy="2251102"/>
+          </a:xfrm>
+        </p:spPr>
         <p:txBody>
           <a:bodyPr/>
           <a:lstStyle/>
           <a:p>
-            <a:endParaRPr lang="es-AR"/>
-          </a:p>
-        </p:txBody>
-      </p:sp>
+            <a:pPr marL="0" indent="0">
+              <a:buNone/>
+            </a:pPr>
+            <a:r>
+              <a:rPr lang="en-US" dirty="0"/>
+              <a:t>Se crearon un total de cinco (5) vistas con el objetivo de unir algunos campos de tablas especificas para mostrar resultados que brinden una informacion mas detallada.</a:t>
+            </a:r>
+            <a:endParaRPr lang="es-AR" dirty="0"/>
+          </a:p>
+        </p:txBody>
+      </p:sp>
+      <p:pic>
+        <p:nvPicPr>
+          <p:cNvPr id="5" name="Imagen 4">
+            <a:extLst>
+              <a:ext uri="{FF2B5EF4-FFF2-40B4-BE49-F238E27FC236}">
+                <a16:creationId xmlns:a16="http://schemas.microsoft.com/office/drawing/2014/main" id="{517F5E2E-20F6-4A8A-BD91-4DED8207B3F2}"/>
+              </a:ext>
+            </a:extLst>
+          </p:cNvPr>
+          <p:cNvPicPr>
+            <a:picLocks noChangeAspect="1"/>
+          </p:cNvPicPr>
+          <p:nvPr/>
+        </p:nvPicPr>
+        <p:blipFill>
+          <a:blip r:embed="rId2">
+            <a:extLst>
+              <a:ext uri="{28A0092B-C50C-407E-A947-70E740481C1C}">
+                <a14:useLocalDpi xmlns:a14="http://schemas.microsoft.com/office/drawing/2010/main" val="0"/>
+              </a:ext>
+            </a:extLst>
+          </a:blip>
+          <a:stretch>
+            <a:fillRect/>
+          </a:stretch>
+        </p:blipFill>
+        <p:spPr>
+          <a:xfrm>
+            <a:off x="5832820" y="2463511"/>
+            <a:ext cx="5072868" cy="3804650"/>
+          </a:xfrm>
+          <a:prstGeom prst="rect">
+            <a:avLst/>
+          </a:prstGeom>
+        </p:spPr>
+      </p:pic>
     </p:spTree>
     <p:extLst>
       <p:ext uri="{BB962C8B-B14F-4D97-AF65-F5344CB8AC3E}">

--- a/Presentacion Proyecto Final.pptx
+++ b/Presentacion Proyecto Final.pptx
@@ -399,7 +399,7 @@
           <a:p>
             <a:fld id="{2BCD40F9-9AEF-4566-9519-3BC9146DCCE9}" type="datetimeFigureOut">
               <a:rPr lang="es-AR" smtClean="0"/>
-              <a:t>6/2/2023</a:t>
+              <a:t>7/2/2023</a:t>
             </a:fld>
             <a:endParaRPr lang="es-AR"/>
           </a:p>
@@ -813,7 +813,7 @@
           <a:p>
             <a:fld id="{2BCD40F9-9AEF-4566-9519-3BC9146DCCE9}" type="datetimeFigureOut">
               <a:rPr lang="es-AR" smtClean="0"/>
-              <a:t>6/2/2023</a:t>
+              <a:t>7/2/2023</a:t>
             </a:fld>
             <a:endParaRPr lang="es-AR"/>
           </a:p>
@@ -1149,7 +1149,7 @@
           <a:p>
             <a:fld id="{2BCD40F9-9AEF-4566-9519-3BC9146DCCE9}" type="datetimeFigureOut">
               <a:rPr lang="es-AR" smtClean="0"/>
-              <a:t>6/2/2023</a:t>
+              <a:t>7/2/2023</a:t>
             </a:fld>
             <a:endParaRPr lang="es-AR"/>
           </a:p>
@@ -1554,7 +1554,7 @@
           <a:p>
             <a:fld id="{2BCD40F9-9AEF-4566-9519-3BC9146DCCE9}" type="datetimeFigureOut">
               <a:rPr lang="es-AR" smtClean="0"/>
-              <a:t>6/2/2023</a:t>
+              <a:t>7/2/2023</a:t>
             </a:fld>
             <a:endParaRPr lang="es-AR"/>
           </a:p>
@@ -2122,7 +2122,7 @@
           <a:p>
             <a:fld id="{2BCD40F9-9AEF-4566-9519-3BC9146DCCE9}" type="datetimeFigureOut">
               <a:rPr lang="es-AR" smtClean="0"/>
-              <a:t>6/2/2023</a:t>
+              <a:t>7/2/2023</a:t>
             </a:fld>
             <a:endParaRPr lang="es-AR"/>
           </a:p>
@@ -2803,7 +2803,7 @@
           <a:p>
             <a:fld id="{2BCD40F9-9AEF-4566-9519-3BC9146DCCE9}" type="datetimeFigureOut">
               <a:rPr lang="es-AR" smtClean="0"/>
-              <a:t>6/2/2023</a:t>
+              <a:t>7/2/2023</a:t>
             </a:fld>
             <a:endParaRPr lang="es-AR"/>
           </a:p>
@@ -3716,7 +3716,7 @@
           <a:p>
             <a:fld id="{2BCD40F9-9AEF-4566-9519-3BC9146DCCE9}" type="datetimeFigureOut">
               <a:rPr lang="es-AR" smtClean="0"/>
-              <a:t>6/2/2023</a:t>
+              <a:t>7/2/2023</a:t>
             </a:fld>
             <a:endParaRPr lang="es-AR"/>
           </a:p>
@@ -4029,7 +4029,7 @@
           <a:p>
             <a:fld id="{2BCD40F9-9AEF-4566-9519-3BC9146DCCE9}" type="datetimeFigureOut">
               <a:rPr lang="es-AR" smtClean="0"/>
-              <a:t>6/2/2023</a:t>
+              <a:t>7/2/2023</a:t>
             </a:fld>
             <a:endParaRPr lang="es-AR"/>
           </a:p>
@@ -4293,7 +4293,7 @@
           <a:p>
             <a:fld id="{2BCD40F9-9AEF-4566-9519-3BC9146DCCE9}" type="datetimeFigureOut">
               <a:rPr lang="es-AR" smtClean="0"/>
-              <a:t>6/2/2023</a:t>
+              <a:t>7/2/2023</a:t>
             </a:fld>
             <a:endParaRPr lang="es-AR"/>
           </a:p>
@@ -4616,7 +4616,7 @@
           <a:p>
             <a:fld id="{2BCD40F9-9AEF-4566-9519-3BC9146DCCE9}" type="datetimeFigureOut">
               <a:rPr lang="es-AR" smtClean="0"/>
-              <a:t>6/2/2023</a:t>
+              <a:t>7/2/2023</a:t>
             </a:fld>
             <a:endParaRPr lang="es-AR"/>
           </a:p>
@@ -5005,7 +5005,7 @@
           <a:p>
             <a:fld id="{2BCD40F9-9AEF-4566-9519-3BC9146DCCE9}" type="datetimeFigureOut">
               <a:rPr lang="es-AR" smtClean="0"/>
-              <a:t>6/2/2023</a:t>
+              <a:t>7/2/2023</a:t>
             </a:fld>
             <a:endParaRPr lang="es-AR"/>
           </a:p>
@@ -5381,7 +5381,7 @@
           <a:p>
             <a:fld id="{2BCD40F9-9AEF-4566-9519-3BC9146DCCE9}" type="datetimeFigureOut">
               <a:rPr lang="es-AR" smtClean="0"/>
-              <a:t>6/2/2023</a:t>
+              <a:t>7/2/2023</a:t>
             </a:fld>
             <a:endParaRPr lang="es-AR"/>
           </a:p>
@@ -5887,7 +5887,7 @@
           <a:p>
             <a:fld id="{2BCD40F9-9AEF-4566-9519-3BC9146DCCE9}" type="datetimeFigureOut">
               <a:rPr lang="es-AR" smtClean="0"/>
-              <a:t>6/2/2023</a:t>
+              <a:t>7/2/2023</a:t>
             </a:fld>
             <a:endParaRPr lang="es-AR"/>
           </a:p>
@@ -6144,7 +6144,7 @@
           <a:p>
             <a:fld id="{2BCD40F9-9AEF-4566-9519-3BC9146DCCE9}" type="datetimeFigureOut">
               <a:rPr lang="es-AR" smtClean="0"/>
-              <a:t>6/2/2023</a:t>
+              <a:t>7/2/2023</a:t>
             </a:fld>
             <a:endParaRPr lang="es-AR"/>
           </a:p>
@@ -6307,7 +6307,7 @@
           <a:p>
             <a:fld id="{2BCD40F9-9AEF-4566-9519-3BC9146DCCE9}" type="datetimeFigureOut">
               <a:rPr lang="es-AR" smtClean="0"/>
-              <a:t>6/2/2023</a:t>
+              <a:t>7/2/2023</a:t>
             </a:fld>
             <a:endParaRPr lang="es-AR"/>
           </a:p>
@@ -6697,7 +6697,7 @@
           <a:p>
             <a:fld id="{2BCD40F9-9AEF-4566-9519-3BC9146DCCE9}" type="datetimeFigureOut">
               <a:rPr lang="es-AR" smtClean="0"/>
-              <a:t>6/2/2023</a:t>
+              <a:t>7/2/2023</a:t>
             </a:fld>
             <a:endParaRPr lang="es-AR"/>
           </a:p>
@@ -7106,7 +7106,7 @@
           <a:p>
             <a:fld id="{2BCD40F9-9AEF-4566-9519-3BC9146DCCE9}" type="datetimeFigureOut">
               <a:rPr lang="es-AR" smtClean="0"/>
-              <a:t>6/2/2023</a:t>
+              <a:t>7/2/2023</a:t>
             </a:fld>
             <a:endParaRPr lang="es-AR"/>
           </a:p>
@@ -7350,7 +7350,7 @@
           <a:p>
             <a:fld id="{2BCD40F9-9AEF-4566-9519-3BC9146DCCE9}" type="datetimeFigureOut">
               <a:rPr lang="es-AR" smtClean="0"/>
-              <a:t>6/2/2023</a:t>
+              <a:t>7/2/2023</a:t>
             </a:fld>
             <a:endParaRPr lang="es-AR"/>
           </a:p>
@@ -8158,10 +8158,10 @@
       </p:sp>
       <p:pic>
         <p:nvPicPr>
-          <p:cNvPr id="4" name="Imagen 3">
+          <p:cNvPr id="5" name="Imagen 4">
             <a:extLst>
               <a:ext uri="{FF2B5EF4-FFF2-40B4-BE49-F238E27FC236}">
-                <a16:creationId xmlns:a16="http://schemas.microsoft.com/office/drawing/2014/main" id="{05354790-8AE4-44AE-944C-60EB52924BF8}"/>
+                <a16:creationId xmlns:a16="http://schemas.microsoft.com/office/drawing/2014/main" id="{3BE4E4D1-F39A-4C1F-8025-DD5201051114}"/>
               </a:ext>
             </a:extLst>
           </p:cNvPr>
@@ -8184,8 +8184,8 @@
         </p:blipFill>
         <p:spPr>
           <a:xfrm>
-            <a:off x="1596643" y="2148554"/>
-            <a:ext cx="8697539" cy="1705213"/>
+            <a:off x="1596643" y="2143792"/>
+            <a:ext cx="8697539" cy="1714739"/>
           </a:xfrm>
           <a:prstGeom prst="rect">
             <a:avLst/>
@@ -8194,10 +8194,10 @@
       </p:pic>
       <p:pic>
         <p:nvPicPr>
-          <p:cNvPr id="7" name="Imagen 6">
+          <p:cNvPr id="8" name="Imagen 7">
             <a:extLst>
               <a:ext uri="{FF2B5EF4-FFF2-40B4-BE49-F238E27FC236}">
-                <a16:creationId xmlns:a16="http://schemas.microsoft.com/office/drawing/2014/main" id="{CC2783F2-F3B7-49DB-A891-13319530F3D1}"/>
+                <a16:creationId xmlns:a16="http://schemas.microsoft.com/office/drawing/2014/main" id="{54C6673D-97A8-4937-981E-EB8AE8592594}"/>
               </a:ext>
             </a:extLst>
           </p:cNvPr>
@@ -8220,8 +8220,8 @@
         </p:blipFill>
         <p:spPr>
           <a:xfrm>
-            <a:off x="1596643" y="4016880"/>
-            <a:ext cx="8688012" cy="1324160"/>
+            <a:off x="1596643" y="4036163"/>
+            <a:ext cx="8697539" cy="1324160"/>
           </a:xfrm>
           <a:prstGeom prst="rect">
             <a:avLst/>
@@ -8230,10 +8230,10 @@
       </p:pic>
       <p:pic>
         <p:nvPicPr>
-          <p:cNvPr id="10" name="Imagen 9">
+          <p:cNvPr id="11" name="Imagen 10">
             <a:extLst>
               <a:ext uri="{FF2B5EF4-FFF2-40B4-BE49-F238E27FC236}">
-                <a16:creationId xmlns:a16="http://schemas.microsoft.com/office/drawing/2014/main" id="{D71AD1D4-5859-4E7E-9BA5-CDA2363E89D4}"/>
+                <a16:creationId xmlns:a16="http://schemas.microsoft.com/office/drawing/2014/main" id="{00D01207-2160-44A5-99D1-1A499CC23FCA}"/>
               </a:ext>
             </a:extLst>
           </p:cNvPr>
@@ -8256,8 +8256,8 @@
         </p:blipFill>
         <p:spPr>
           <a:xfrm>
-            <a:off x="1587116" y="5537955"/>
-            <a:ext cx="8697539" cy="1133633"/>
+            <a:off x="1596642" y="5537955"/>
+            <a:ext cx="8688012" cy="1133633"/>
           </a:xfrm>
           <a:prstGeom prst="rect">
             <a:avLst/>
@@ -8325,10 +8325,10 @@
       </p:sp>
       <p:pic>
         <p:nvPicPr>
-          <p:cNvPr id="4" name="Imagen 3">
+          <p:cNvPr id="5" name="Imagen 4">
             <a:extLst>
               <a:ext uri="{FF2B5EF4-FFF2-40B4-BE49-F238E27FC236}">
-                <a16:creationId xmlns:a16="http://schemas.microsoft.com/office/drawing/2014/main" id="{53E4C3B7-ABA0-4A8A-B0ED-FBACAA5AAB7D}"/>
+                <a16:creationId xmlns:a16="http://schemas.microsoft.com/office/drawing/2014/main" id="{5320F5A8-B48E-4DB8-B043-D4374CBFBEFE}"/>
               </a:ext>
             </a:extLst>
           </p:cNvPr>
@@ -8351,8 +8351,8 @@
         </p:blipFill>
         <p:spPr>
           <a:xfrm>
-            <a:off x="1606170" y="2170165"/>
-            <a:ext cx="8688012" cy="1343212"/>
+            <a:off x="1577592" y="2171593"/>
+            <a:ext cx="8707065" cy="1524213"/>
           </a:xfrm>
           <a:prstGeom prst="rect">
             <a:avLst/>
@@ -8361,10 +8361,10 @@
       </p:pic>
       <p:pic>
         <p:nvPicPr>
-          <p:cNvPr id="7" name="Imagen 6">
+          <p:cNvPr id="8" name="Imagen 7">
             <a:extLst>
               <a:ext uri="{FF2B5EF4-FFF2-40B4-BE49-F238E27FC236}">
-                <a16:creationId xmlns:a16="http://schemas.microsoft.com/office/drawing/2014/main" id="{E96BA77C-ED1F-4139-A365-C9994FC37B14}"/>
+                <a16:creationId xmlns:a16="http://schemas.microsoft.com/office/drawing/2014/main" id="{66032F8A-EE24-42C6-A45F-A7D4CF00B8C4}"/>
               </a:ext>
             </a:extLst>
           </p:cNvPr>
@@ -8387,8 +8387,8 @@
         </p:blipFill>
         <p:spPr>
           <a:xfrm>
-            <a:off x="1606170" y="3699675"/>
-            <a:ext cx="8678486" cy="1324160"/>
+            <a:off x="1596643" y="5408136"/>
+            <a:ext cx="8707065" cy="952633"/>
           </a:xfrm>
           <a:prstGeom prst="rect">
             <a:avLst/>
@@ -8397,10 +8397,10 @@
       </p:pic>
       <p:pic>
         <p:nvPicPr>
-          <p:cNvPr id="10" name="Imagen 9">
+          <p:cNvPr id="11" name="Imagen 10">
             <a:extLst>
               <a:ext uri="{FF2B5EF4-FFF2-40B4-BE49-F238E27FC236}">
-                <a16:creationId xmlns:a16="http://schemas.microsoft.com/office/drawing/2014/main" id="{A2B95E90-297A-4AF7-8CB6-501241F2FCED}"/>
+                <a16:creationId xmlns:a16="http://schemas.microsoft.com/office/drawing/2014/main" id="{C2C2EA1E-4F5B-4EFC-84FD-050CB44AD816}"/>
               </a:ext>
             </a:extLst>
           </p:cNvPr>
@@ -8423,8 +8423,8 @@
         </p:blipFill>
         <p:spPr>
           <a:xfrm>
-            <a:off x="1606170" y="5233690"/>
-            <a:ext cx="8688012" cy="952633"/>
+            <a:off x="1606170" y="3885128"/>
+            <a:ext cx="8688012" cy="1333686"/>
           </a:xfrm>
           <a:prstGeom prst="rect">
             <a:avLst/>
@@ -8492,10 +8492,10 @@
       </p:sp>
       <p:pic>
         <p:nvPicPr>
-          <p:cNvPr id="4" name="Imagen 3">
+          <p:cNvPr id="12" name="Imagen 11">
             <a:extLst>
               <a:ext uri="{FF2B5EF4-FFF2-40B4-BE49-F238E27FC236}">
-                <a16:creationId xmlns:a16="http://schemas.microsoft.com/office/drawing/2014/main" id="{4DDD1984-53A1-4452-9B4A-8650CADC8E46}"/>
+                <a16:creationId xmlns:a16="http://schemas.microsoft.com/office/drawing/2014/main" id="{16DD7686-35B8-4B8D-87E5-429865765C61}"/>
               </a:ext>
             </a:extLst>
           </p:cNvPr>
@@ -8518,8 +8518,8 @@
         </p:blipFill>
         <p:spPr>
           <a:xfrm>
-            <a:off x="1615696" y="2169523"/>
-            <a:ext cx="8678486" cy="1143160"/>
+            <a:off x="1596643" y="2185908"/>
+            <a:ext cx="8697539" cy="1133633"/>
           </a:xfrm>
           <a:prstGeom prst="rect">
             <a:avLst/>
@@ -8528,10 +8528,10 @@
       </p:pic>
       <p:pic>
         <p:nvPicPr>
-          <p:cNvPr id="7" name="Imagen 6">
+          <p:cNvPr id="14" name="Imagen 13">
             <a:extLst>
               <a:ext uri="{FF2B5EF4-FFF2-40B4-BE49-F238E27FC236}">
-                <a16:creationId xmlns:a16="http://schemas.microsoft.com/office/drawing/2014/main" id="{EE762E53-D4AE-49D8-82CC-B55BA0CC4AF9}"/>
+                <a16:creationId xmlns:a16="http://schemas.microsoft.com/office/drawing/2014/main" id="{3AABDE97-20AA-46ED-B20D-B44E895B1D96}"/>
               </a:ext>
             </a:extLst>
           </p:cNvPr>
@@ -8554,8 +8554,8 @@
         </p:blipFill>
         <p:spPr>
           <a:xfrm>
-            <a:off x="1606170" y="3492887"/>
-            <a:ext cx="8688012" cy="1124107"/>
+            <a:off x="1601406" y="3538460"/>
+            <a:ext cx="8688012" cy="1133633"/>
           </a:xfrm>
           <a:prstGeom prst="rect">
             <a:avLst/>
@@ -9436,15 +9436,91 @@
             <p:ph idx="1"/>
           </p:nvPr>
         </p:nvSpPr>
-        <p:spPr/>
-        <p:txBody>
-          <a:bodyPr/>
+        <p:spPr>
+          <a:xfrm>
+            <a:off x="680321" y="2451172"/>
+            <a:ext cx="5415679" cy="3767899"/>
+          </a:xfrm>
+        </p:spPr>
+        <p:txBody>
+          <a:bodyPr>
+            <a:normAutofit/>
+          </a:bodyPr>
           <a:lstStyle/>
           <a:p>
-            <a:endParaRPr lang="es-AR"/>
-          </a:p>
-        </p:txBody>
-      </p:sp>
+            <a:pPr marL="0" indent="0">
+              <a:buNone/>
+            </a:pPr>
+            <a:r>
+              <a:rPr lang="en-US" sz="2000" dirty="0"/>
+              <a:t>Se agregaron dos funciones con el nombre “calculo_margen” y “aviso_margen” con las cuales vamos a poder calcular lo siguiente: </a:t>
+            </a:r>
+          </a:p>
+          <a:p>
+            <a:pPr>
+              <a:buFontTx/>
+              <a:buChar char="-"/>
+            </a:pPr>
+            <a:r>
+              <a:rPr lang="en-US" sz="2000" dirty="0"/>
+              <a:t>“calculo_margen”: Permite saber el margen exacto de ganancia que se le esta ganando a cada producto vendido.</a:t>
+            </a:r>
+          </a:p>
+          <a:p>
+            <a:pPr>
+              <a:buFontTx/>
+              <a:buChar char="-"/>
+            </a:pPr>
+            <a:r>
+              <a:rPr lang="en-US" sz="2000" dirty="0"/>
+              <a:t>“aviso_margen”: Permite encontrar de manera mas visual aquellos productos que se encuentren con un margen de ganancia menor al esperado.</a:t>
+            </a:r>
+          </a:p>
+          <a:p>
+            <a:pPr>
+              <a:buFontTx/>
+              <a:buChar char="-"/>
+            </a:pPr>
+            <a:endParaRPr lang="en-US" sz="2000" dirty="0"/>
+          </a:p>
+        </p:txBody>
+      </p:sp>
+      <p:pic>
+        <p:nvPicPr>
+          <p:cNvPr id="5" name="Imagen 4">
+            <a:extLst>
+              <a:ext uri="{FF2B5EF4-FFF2-40B4-BE49-F238E27FC236}">
+                <a16:creationId xmlns:a16="http://schemas.microsoft.com/office/drawing/2014/main" id="{C37EDA52-B364-4EEF-A5B6-7C29C1485E95}"/>
+              </a:ext>
+            </a:extLst>
+          </p:cNvPr>
+          <p:cNvPicPr>
+            <a:picLocks noChangeAspect="1"/>
+          </p:cNvPicPr>
+          <p:nvPr/>
+        </p:nvPicPr>
+        <p:blipFill>
+          <a:blip r:embed="rId2">
+            <a:extLst>
+              <a:ext uri="{28A0092B-C50C-407E-A947-70E740481C1C}">
+                <a14:useLocalDpi xmlns:a14="http://schemas.microsoft.com/office/drawing/2010/main" val="0"/>
+              </a:ext>
+            </a:extLst>
+          </a:blip>
+          <a:stretch>
+            <a:fillRect/>
+          </a:stretch>
+        </p:blipFill>
+        <p:spPr>
+          <a:xfrm>
+            <a:off x="6936931" y="2841696"/>
+            <a:ext cx="3357251" cy="2339903"/>
+          </a:xfrm>
+          <a:prstGeom prst="rect">
+            <a:avLst/>
+          </a:prstGeom>
+        </p:spPr>
+      </p:pic>
     </p:spTree>
     <p:extLst>
       <p:ext uri="{BB962C8B-B14F-4D97-AF65-F5344CB8AC3E}">

--- a/Presentacion Proyecto Final.pptx
+++ b/Presentacion Proyecto Final.pptx
@@ -17,8 +17,11 @@
     <p:sldId id="265" r:id="rId11"/>
     <p:sldId id="268" r:id="rId12"/>
     <p:sldId id="269" r:id="rId13"/>
-    <p:sldId id="266" r:id="rId14"/>
-    <p:sldId id="267" r:id="rId15"/>
+    <p:sldId id="270" r:id="rId14"/>
+    <p:sldId id="271" r:id="rId15"/>
+    <p:sldId id="272" r:id="rId16"/>
+    <p:sldId id="266" r:id="rId17"/>
+    <p:sldId id="267" r:id="rId18"/>
   </p:sldIdLst>
   <p:sldSz cx="12192000" cy="6858000"/>
   <p:notesSz cx="6858000" cy="9144000"/>
@@ -399,7 +402,7 @@
           <a:p>
             <a:fld id="{2BCD40F9-9AEF-4566-9519-3BC9146DCCE9}" type="datetimeFigureOut">
               <a:rPr lang="es-AR" smtClean="0"/>
-              <a:t>7/2/2023</a:t>
+              <a:t>14/2/2023</a:t>
             </a:fld>
             <a:endParaRPr lang="es-AR"/>
           </a:p>
@@ -813,7 +816,7 @@
           <a:p>
             <a:fld id="{2BCD40F9-9AEF-4566-9519-3BC9146DCCE9}" type="datetimeFigureOut">
               <a:rPr lang="es-AR" smtClean="0"/>
-              <a:t>7/2/2023</a:t>
+              <a:t>14/2/2023</a:t>
             </a:fld>
             <a:endParaRPr lang="es-AR"/>
           </a:p>
@@ -1149,7 +1152,7 @@
           <a:p>
             <a:fld id="{2BCD40F9-9AEF-4566-9519-3BC9146DCCE9}" type="datetimeFigureOut">
               <a:rPr lang="es-AR" smtClean="0"/>
-              <a:t>7/2/2023</a:t>
+              <a:t>14/2/2023</a:t>
             </a:fld>
             <a:endParaRPr lang="es-AR"/>
           </a:p>
@@ -1554,7 +1557,7 @@
           <a:p>
             <a:fld id="{2BCD40F9-9AEF-4566-9519-3BC9146DCCE9}" type="datetimeFigureOut">
               <a:rPr lang="es-AR" smtClean="0"/>
-              <a:t>7/2/2023</a:t>
+              <a:t>14/2/2023</a:t>
             </a:fld>
             <a:endParaRPr lang="es-AR"/>
           </a:p>
@@ -2122,7 +2125,7 @@
           <a:p>
             <a:fld id="{2BCD40F9-9AEF-4566-9519-3BC9146DCCE9}" type="datetimeFigureOut">
               <a:rPr lang="es-AR" smtClean="0"/>
-              <a:t>7/2/2023</a:t>
+              <a:t>14/2/2023</a:t>
             </a:fld>
             <a:endParaRPr lang="es-AR"/>
           </a:p>
@@ -2803,7 +2806,7 @@
           <a:p>
             <a:fld id="{2BCD40F9-9AEF-4566-9519-3BC9146DCCE9}" type="datetimeFigureOut">
               <a:rPr lang="es-AR" smtClean="0"/>
-              <a:t>7/2/2023</a:t>
+              <a:t>14/2/2023</a:t>
             </a:fld>
             <a:endParaRPr lang="es-AR"/>
           </a:p>
@@ -3716,7 +3719,7 @@
           <a:p>
             <a:fld id="{2BCD40F9-9AEF-4566-9519-3BC9146DCCE9}" type="datetimeFigureOut">
               <a:rPr lang="es-AR" smtClean="0"/>
-              <a:t>7/2/2023</a:t>
+              <a:t>14/2/2023</a:t>
             </a:fld>
             <a:endParaRPr lang="es-AR"/>
           </a:p>
@@ -4029,7 +4032,7 @@
           <a:p>
             <a:fld id="{2BCD40F9-9AEF-4566-9519-3BC9146DCCE9}" type="datetimeFigureOut">
               <a:rPr lang="es-AR" smtClean="0"/>
-              <a:t>7/2/2023</a:t>
+              <a:t>14/2/2023</a:t>
             </a:fld>
             <a:endParaRPr lang="es-AR"/>
           </a:p>
@@ -4293,7 +4296,7 @@
           <a:p>
             <a:fld id="{2BCD40F9-9AEF-4566-9519-3BC9146DCCE9}" type="datetimeFigureOut">
               <a:rPr lang="es-AR" smtClean="0"/>
-              <a:t>7/2/2023</a:t>
+              <a:t>14/2/2023</a:t>
             </a:fld>
             <a:endParaRPr lang="es-AR"/>
           </a:p>
@@ -4616,7 +4619,7 @@
           <a:p>
             <a:fld id="{2BCD40F9-9AEF-4566-9519-3BC9146DCCE9}" type="datetimeFigureOut">
               <a:rPr lang="es-AR" smtClean="0"/>
-              <a:t>7/2/2023</a:t>
+              <a:t>14/2/2023</a:t>
             </a:fld>
             <a:endParaRPr lang="es-AR"/>
           </a:p>
@@ -5005,7 +5008,7 @@
           <a:p>
             <a:fld id="{2BCD40F9-9AEF-4566-9519-3BC9146DCCE9}" type="datetimeFigureOut">
               <a:rPr lang="es-AR" smtClean="0"/>
-              <a:t>7/2/2023</a:t>
+              <a:t>14/2/2023</a:t>
             </a:fld>
             <a:endParaRPr lang="es-AR"/>
           </a:p>
@@ -5381,7 +5384,7 @@
           <a:p>
             <a:fld id="{2BCD40F9-9AEF-4566-9519-3BC9146DCCE9}" type="datetimeFigureOut">
               <a:rPr lang="es-AR" smtClean="0"/>
-              <a:t>7/2/2023</a:t>
+              <a:t>14/2/2023</a:t>
             </a:fld>
             <a:endParaRPr lang="es-AR"/>
           </a:p>
@@ -5887,7 +5890,7 @@
           <a:p>
             <a:fld id="{2BCD40F9-9AEF-4566-9519-3BC9146DCCE9}" type="datetimeFigureOut">
               <a:rPr lang="es-AR" smtClean="0"/>
-              <a:t>7/2/2023</a:t>
+              <a:t>14/2/2023</a:t>
             </a:fld>
             <a:endParaRPr lang="es-AR"/>
           </a:p>
@@ -6144,7 +6147,7 @@
           <a:p>
             <a:fld id="{2BCD40F9-9AEF-4566-9519-3BC9146DCCE9}" type="datetimeFigureOut">
               <a:rPr lang="es-AR" smtClean="0"/>
-              <a:t>7/2/2023</a:t>
+              <a:t>14/2/2023</a:t>
             </a:fld>
             <a:endParaRPr lang="es-AR"/>
           </a:p>
@@ -6307,7 +6310,7 @@
           <a:p>
             <a:fld id="{2BCD40F9-9AEF-4566-9519-3BC9146DCCE9}" type="datetimeFigureOut">
               <a:rPr lang="es-AR" smtClean="0"/>
-              <a:t>7/2/2023</a:t>
+              <a:t>14/2/2023</a:t>
             </a:fld>
             <a:endParaRPr lang="es-AR"/>
           </a:p>
@@ -6697,7 +6700,7 @@
           <a:p>
             <a:fld id="{2BCD40F9-9AEF-4566-9519-3BC9146DCCE9}" type="datetimeFigureOut">
               <a:rPr lang="es-AR" smtClean="0"/>
-              <a:t>7/2/2023</a:t>
+              <a:t>14/2/2023</a:t>
             </a:fld>
             <a:endParaRPr lang="es-AR"/>
           </a:p>
@@ -7106,7 +7109,7 @@
           <a:p>
             <a:fld id="{2BCD40F9-9AEF-4566-9519-3BC9146DCCE9}" type="datetimeFigureOut">
               <a:rPr lang="es-AR" smtClean="0"/>
-              <a:t>7/2/2023</a:t>
+              <a:t>14/2/2023</a:t>
             </a:fld>
             <a:endParaRPr lang="es-AR"/>
           </a:p>
@@ -7350,7 +7353,7 @@
           <a:p>
             <a:fld id="{2BCD40F9-9AEF-4566-9519-3BC9146DCCE9}" type="datetimeFigureOut">
               <a:rPr lang="es-AR" smtClean="0"/>
-              <a:t>7/2/2023</a:t>
+              <a:t>14/2/2023</a:t>
             </a:fld>
             <a:endParaRPr lang="es-AR"/>
           </a:p>
@@ -8562,6 +8565,42 @@
           </a:prstGeom>
         </p:spPr>
       </p:pic>
+      <p:pic>
+        <p:nvPicPr>
+          <p:cNvPr id="4" name="Imagen 3">
+            <a:extLst>
+              <a:ext uri="{FF2B5EF4-FFF2-40B4-BE49-F238E27FC236}">
+                <a16:creationId xmlns:a16="http://schemas.microsoft.com/office/drawing/2014/main" id="{7A829EBB-FA30-4B73-8BA4-8D8E83DF0A43}"/>
+              </a:ext>
+            </a:extLst>
+          </p:cNvPr>
+          <p:cNvPicPr>
+            <a:picLocks noChangeAspect="1"/>
+          </p:cNvPicPr>
+          <p:nvPr/>
+        </p:nvPicPr>
+        <p:blipFill>
+          <a:blip r:embed="rId4">
+            <a:extLst>
+              <a:ext uri="{28A0092B-C50C-407E-A947-70E740481C1C}">
+                <a14:useLocalDpi xmlns:a14="http://schemas.microsoft.com/office/drawing/2010/main" val="0"/>
+              </a:ext>
+            </a:extLst>
+          </a:blip>
+          <a:stretch>
+            <a:fillRect/>
+          </a:stretch>
+        </p:blipFill>
+        <p:spPr>
+          <a:xfrm>
+            <a:off x="1999322" y="4891012"/>
+            <a:ext cx="7892179" cy="1793677"/>
+          </a:xfrm>
+          <a:prstGeom prst="rect">
+            <a:avLst/>
+          </a:prstGeom>
+        </p:spPr>
+      </p:pic>
     </p:spTree>
     <p:extLst>
       <p:ext uri="{BB962C8B-B14F-4D97-AF65-F5344CB8AC3E}">
@@ -8597,6 +8636,363 @@
           <p:cNvPr id="2" name="Título 1">
             <a:extLst>
               <a:ext uri="{FF2B5EF4-FFF2-40B4-BE49-F238E27FC236}">
+                <a16:creationId xmlns:a16="http://schemas.microsoft.com/office/drawing/2014/main" id="{DD97B282-ED95-4EE3-91C9-4804F2E3C738}"/>
+              </a:ext>
+            </a:extLst>
+          </p:cNvPr>
+          <p:cNvSpPr>
+            <a:spLocks noGrp="1"/>
+          </p:cNvSpPr>
+          <p:nvPr>
+            <p:ph type="title"/>
+          </p:nvPr>
+        </p:nvSpPr>
+        <p:spPr/>
+        <p:txBody>
+          <a:bodyPr/>
+          <a:lstStyle/>
+          <a:p>
+            <a:r>
+              <a:rPr lang="en-US" dirty="0"/>
+              <a:t>MUESTRA DE TABLAS N.4</a:t>
+            </a:r>
+            <a:endParaRPr lang="es-AR" dirty="0"/>
+          </a:p>
+        </p:txBody>
+      </p:sp>
+      <p:pic>
+        <p:nvPicPr>
+          <p:cNvPr id="5" name="Imagen 4">
+            <a:extLst>
+              <a:ext uri="{FF2B5EF4-FFF2-40B4-BE49-F238E27FC236}">
+                <a16:creationId xmlns:a16="http://schemas.microsoft.com/office/drawing/2014/main" id="{B54DAD9A-E176-4A98-89D4-2AC20E4AE6E6}"/>
+              </a:ext>
+            </a:extLst>
+          </p:cNvPr>
+          <p:cNvPicPr>
+            <a:picLocks noChangeAspect="1"/>
+          </p:cNvPicPr>
+          <p:nvPr/>
+        </p:nvPicPr>
+        <p:blipFill>
+          <a:blip r:embed="rId2">
+            <a:extLst>
+              <a:ext uri="{28A0092B-C50C-407E-A947-70E740481C1C}">
+                <a14:useLocalDpi xmlns:a14="http://schemas.microsoft.com/office/drawing/2010/main" val="0"/>
+              </a:ext>
+            </a:extLst>
+          </a:blip>
+          <a:stretch>
+            <a:fillRect/>
+          </a:stretch>
+        </p:blipFill>
+        <p:spPr>
+          <a:xfrm>
+            <a:off x="1282700" y="2545923"/>
+            <a:ext cx="9011482" cy="3384977"/>
+          </a:xfrm>
+          <a:prstGeom prst="rect">
+            <a:avLst/>
+          </a:prstGeom>
+        </p:spPr>
+      </p:pic>
+    </p:spTree>
+    <p:extLst>
+      <p:ext uri="{BB962C8B-B14F-4D97-AF65-F5344CB8AC3E}">
+        <p14:creationId xmlns:p14="http://schemas.microsoft.com/office/powerpoint/2010/main" val="2376328325"/>
+      </p:ext>
+    </p:extLst>
+  </p:cSld>
+  <p:clrMapOvr>
+    <a:masterClrMapping/>
+  </p:clrMapOvr>
+</p:sld>
+</file>
+
+<file path=ppt/slides/slide14.xml><?xml version="1.0" encoding="utf-8"?>
+<p:sld xmlns:a="http://schemas.openxmlformats.org/drawingml/2006/main" xmlns:r="http://schemas.openxmlformats.org/officeDocument/2006/relationships" xmlns:p="http://schemas.openxmlformats.org/presentationml/2006/main">
+  <p:cSld>
+    <p:spTree>
+      <p:nvGrpSpPr>
+        <p:cNvPr id="1" name=""/>
+        <p:cNvGrpSpPr/>
+        <p:nvPr/>
+      </p:nvGrpSpPr>
+      <p:grpSpPr>
+        <a:xfrm>
+          <a:off x="0" y="0"/>
+          <a:ext cx="0" cy="0"/>
+          <a:chOff x="0" y="0"/>
+          <a:chExt cx="0" cy="0"/>
+        </a:xfrm>
+      </p:grpSpPr>
+      <p:sp>
+        <p:nvSpPr>
+          <p:cNvPr id="2" name="Título 1">
+            <a:extLst>
+              <a:ext uri="{FF2B5EF4-FFF2-40B4-BE49-F238E27FC236}">
+                <a16:creationId xmlns:a16="http://schemas.microsoft.com/office/drawing/2014/main" id="{A3CF76E9-0331-4142-AA13-F600E20BEDFF}"/>
+              </a:ext>
+            </a:extLst>
+          </p:cNvPr>
+          <p:cNvSpPr>
+            <a:spLocks noGrp="1"/>
+          </p:cNvSpPr>
+          <p:nvPr>
+            <p:ph type="title"/>
+          </p:nvPr>
+        </p:nvSpPr>
+        <p:spPr/>
+        <p:txBody>
+          <a:bodyPr/>
+          <a:lstStyle/>
+          <a:p>
+            <a:r>
+              <a:rPr lang="en-US" dirty="0"/>
+              <a:t>MUESTRA DE TABLAS N.5</a:t>
+            </a:r>
+            <a:endParaRPr lang="es-AR" dirty="0"/>
+          </a:p>
+        </p:txBody>
+      </p:sp>
+      <p:pic>
+        <p:nvPicPr>
+          <p:cNvPr id="5" name="Imagen 4">
+            <a:extLst>
+              <a:ext uri="{FF2B5EF4-FFF2-40B4-BE49-F238E27FC236}">
+                <a16:creationId xmlns:a16="http://schemas.microsoft.com/office/drawing/2014/main" id="{5105E1B4-AEC0-4CB1-A68A-C607740CE1F5}"/>
+              </a:ext>
+            </a:extLst>
+          </p:cNvPr>
+          <p:cNvPicPr>
+            <a:picLocks noChangeAspect="1"/>
+          </p:cNvPicPr>
+          <p:nvPr/>
+        </p:nvPicPr>
+        <p:blipFill>
+          <a:blip r:embed="rId2">
+            <a:extLst>
+              <a:ext uri="{28A0092B-C50C-407E-A947-70E740481C1C}">
+                <a14:useLocalDpi xmlns:a14="http://schemas.microsoft.com/office/drawing/2010/main" val="0"/>
+              </a:ext>
+            </a:extLst>
+          </a:blip>
+          <a:stretch>
+            <a:fillRect/>
+          </a:stretch>
+        </p:blipFill>
+        <p:spPr>
+          <a:xfrm>
+            <a:off x="1017658" y="2224740"/>
+            <a:ext cx="9276524" cy="2090256"/>
+          </a:xfrm>
+          <a:prstGeom prst="rect">
+            <a:avLst/>
+          </a:prstGeom>
+        </p:spPr>
+      </p:pic>
+      <p:pic>
+        <p:nvPicPr>
+          <p:cNvPr id="7" name="Imagen 6">
+            <a:extLst>
+              <a:ext uri="{FF2B5EF4-FFF2-40B4-BE49-F238E27FC236}">
+                <a16:creationId xmlns:a16="http://schemas.microsoft.com/office/drawing/2014/main" id="{5324D65A-8E74-4DAA-95D5-28E250DE7B5E}"/>
+              </a:ext>
+            </a:extLst>
+          </p:cNvPr>
+          <p:cNvPicPr>
+            <a:picLocks noChangeAspect="1"/>
+          </p:cNvPicPr>
+          <p:nvPr/>
+        </p:nvPicPr>
+        <p:blipFill>
+          <a:blip r:embed="rId3">
+            <a:extLst>
+              <a:ext uri="{28A0092B-C50C-407E-A947-70E740481C1C}">
+                <a14:useLocalDpi xmlns:a14="http://schemas.microsoft.com/office/drawing/2010/main" val="0"/>
+              </a:ext>
+            </a:extLst>
+          </a:blip>
+          <a:stretch>
+            <a:fillRect/>
+          </a:stretch>
+        </p:blipFill>
+        <p:spPr>
+          <a:xfrm>
+            <a:off x="1017658" y="4606270"/>
+            <a:ext cx="9276524" cy="1818626"/>
+          </a:xfrm>
+          <a:prstGeom prst="rect">
+            <a:avLst/>
+          </a:prstGeom>
+        </p:spPr>
+      </p:pic>
+    </p:spTree>
+    <p:extLst>
+      <p:ext uri="{BB962C8B-B14F-4D97-AF65-F5344CB8AC3E}">
+        <p14:creationId xmlns:p14="http://schemas.microsoft.com/office/powerpoint/2010/main" val="7470417"/>
+      </p:ext>
+    </p:extLst>
+  </p:cSld>
+  <p:clrMapOvr>
+    <a:masterClrMapping/>
+  </p:clrMapOvr>
+</p:sld>
+</file>
+
+<file path=ppt/slides/slide15.xml><?xml version="1.0" encoding="utf-8"?>
+<p:sld xmlns:a="http://schemas.openxmlformats.org/drawingml/2006/main" xmlns:r="http://schemas.openxmlformats.org/officeDocument/2006/relationships" xmlns:p="http://schemas.openxmlformats.org/presentationml/2006/main">
+  <p:cSld>
+    <p:spTree>
+      <p:nvGrpSpPr>
+        <p:cNvPr id="1" name=""/>
+        <p:cNvGrpSpPr/>
+        <p:nvPr/>
+      </p:nvGrpSpPr>
+      <p:grpSpPr>
+        <a:xfrm>
+          <a:off x="0" y="0"/>
+          <a:ext cx="0" cy="0"/>
+          <a:chOff x="0" y="0"/>
+          <a:chExt cx="0" cy="0"/>
+        </a:xfrm>
+      </p:grpSpPr>
+      <p:sp>
+        <p:nvSpPr>
+          <p:cNvPr id="2" name="Título 1">
+            <a:extLst>
+              <a:ext uri="{FF2B5EF4-FFF2-40B4-BE49-F238E27FC236}">
+                <a16:creationId xmlns:a16="http://schemas.microsoft.com/office/drawing/2014/main" id="{C6A80C47-CD59-4E3D-9EC3-D44026F9A5AB}"/>
+              </a:ext>
+            </a:extLst>
+          </p:cNvPr>
+          <p:cNvSpPr>
+            <a:spLocks noGrp="1"/>
+          </p:cNvSpPr>
+          <p:nvPr>
+            <p:ph type="title"/>
+          </p:nvPr>
+        </p:nvSpPr>
+        <p:spPr/>
+        <p:txBody>
+          <a:bodyPr/>
+          <a:lstStyle/>
+          <a:p>
+            <a:r>
+              <a:rPr lang="en-US" dirty="0"/>
+              <a:t>MUESTRA DE TABLAS N.6</a:t>
+            </a:r>
+            <a:endParaRPr lang="es-AR" dirty="0"/>
+          </a:p>
+        </p:txBody>
+      </p:sp>
+      <p:pic>
+        <p:nvPicPr>
+          <p:cNvPr id="5" name="Imagen 4">
+            <a:extLst>
+              <a:ext uri="{FF2B5EF4-FFF2-40B4-BE49-F238E27FC236}">
+                <a16:creationId xmlns:a16="http://schemas.microsoft.com/office/drawing/2014/main" id="{9BC5FAA5-08F4-4B32-AFB8-1E92BADF3425}"/>
+              </a:ext>
+            </a:extLst>
+          </p:cNvPr>
+          <p:cNvPicPr>
+            <a:picLocks noChangeAspect="1"/>
+          </p:cNvPicPr>
+          <p:nvPr/>
+        </p:nvPicPr>
+        <p:blipFill>
+          <a:blip r:embed="rId2">
+            <a:extLst>
+              <a:ext uri="{28A0092B-C50C-407E-A947-70E740481C1C}">
+                <a14:useLocalDpi xmlns:a14="http://schemas.microsoft.com/office/drawing/2010/main" val="0"/>
+              </a:ext>
+            </a:extLst>
+          </a:blip>
+          <a:stretch>
+            <a:fillRect/>
+          </a:stretch>
+        </p:blipFill>
+        <p:spPr>
+          <a:xfrm>
+            <a:off x="1449503" y="2121240"/>
+            <a:ext cx="8844679" cy="2615519"/>
+          </a:xfrm>
+          <a:prstGeom prst="rect">
+            <a:avLst/>
+          </a:prstGeom>
+        </p:spPr>
+      </p:pic>
+      <p:pic>
+        <p:nvPicPr>
+          <p:cNvPr id="9" name="Imagen 8">
+            <a:extLst>
+              <a:ext uri="{FF2B5EF4-FFF2-40B4-BE49-F238E27FC236}">
+                <a16:creationId xmlns:a16="http://schemas.microsoft.com/office/drawing/2014/main" id="{496B1CE8-EAAD-4E6D-9394-4E9AF68B5B48}"/>
+              </a:ext>
+            </a:extLst>
+          </p:cNvPr>
+          <p:cNvPicPr>
+            <a:picLocks noChangeAspect="1"/>
+          </p:cNvPicPr>
+          <p:nvPr/>
+        </p:nvPicPr>
+        <p:blipFill>
+          <a:blip r:embed="rId3">
+            <a:extLst>
+              <a:ext uri="{28A0092B-C50C-407E-A947-70E740481C1C}">
+                <a14:useLocalDpi xmlns:a14="http://schemas.microsoft.com/office/drawing/2010/main" val="0"/>
+              </a:ext>
+            </a:extLst>
+          </a:blip>
+          <a:stretch>
+            <a:fillRect/>
+          </a:stretch>
+        </p:blipFill>
+        <p:spPr>
+          <a:xfrm>
+            <a:off x="1449503" y="4949335"/>
+            <a:ext cx="8844679" cy="1655453"/>
+          </a:xfrm>
+          <a:prstGeom prst="rect">
+            <a:avLst/>
+          </a:prstGeom>
+        </p:spPr>
+      </p:pic>
+    </p:spTree>
+    <p:extLst>
+      <p:ext uri="{BB962C8B-B14F-4D97-AF65-F5344CB8AC3E}">
+        <p14:creationId xmlns:p14="http://schemas.microsoft.com/office/powerpoint/2010/main" val="3032057825"/>
+      </p:ext>
+    </p:extLst>
+  </p:cSld>
+  <p:clrMapOvr>
+    <a:masterClrMapping/>
+  </p:clrMapOvr>
+</p:sld>
+</file>
+
+<file path=ppt/slides/slide16.xml><?xml version="1.0" encoding="utf-8"?>
+<p:sld xmlns:a="http://schemas.openxmlformats.org/drawingml/2006/main" xmlns:r="http://schemas.openxmlformats.org/officeDocument/2006/relationships" xmlns:p="http://schemas.openxmlformats.org/presentationml/2006/main">
+  <p:cSld>
+    <p:spTree>
+      <p:nvGrpSpPr>
+        <p:cNvPr id="1" name=""/>
+        <p:cNvGrpSpPr/>
+        <p:nvPr/>
+      </p:nvGrpSpPr>
+      <p:grpSpPr>
+        <a:xfrm>
+          <a:off x="0" y="0"/>
+          <a:ext cx="0" cy="0"/>
+          <a:chOff x="0" y="0"/>
+          <a:chExt cx="0" cy="0"/>
+        </a:xfrm>
+      </p:grpSpPr>
+      <p:sp>
+        <p:nvSpPr>
+          <p:cNvPr id="2" name="Título 1">
+            <a:extLst>
+              <a:ext uri="{FF2B5EF4-FFF2-40B4-BE49-F238E27FC236}">
                 <a16:creationId xmlns:a16="http://schemas.microsoft.com/office/drawing/2014/main" id="{AA770A03-87DA-42DE-AD9A-63D28FF7C04C}"/>
               </a:ext>
             </a:extLst>
@@ -8659,7 +9055,7 @@
 </p:sld>
 </file>
 
-<file path=ppt/slides/slide14.xml><?xml version="1.0" encoding="utf-8"?>
+<file path=ppt/slides/slide17.xml><?xml version="1.0" encoding="utf-8"?>
 <p:sld xmlns:a="http://schemas.openxmlformats.org/drawingml/2006/main" xmlns:r="http://schemas.openxmlformats.org/officeDocument/2006/relationships" xmlns:p="http://schemas.openxmlformats.org/presentationml/2006/main">
   <p:cSld>
     <p:spTree>
@@ -9233,13 +9629,13 @@
           <a:p>
             <a:r>
               <a:rPr lang="en-US" dirty="0"/>
-              <a:t>Pag.??</a:t>
+              <a:t>Pag.16</a:t>
             </a:r>
           </a:p>
           <a:p>
             <a:r>
               <a:rPr lang="en-US" dirty="0"/>
-              <a:t>Pag.??</a:t>
+              <a:t>Pag.17</a:t>
             </a:r>
           </a:p>
         </p:txBody>
@@ -9812,15 +10208,170 @@
             <p:ph idx="1"/>
           </p:nvPr>
         </p:nvSpPr>
-        <p:spPr/>
-        <p:txBody>
-          <a:bodyPr/>
+        <p:spPr>
+          <a:xfrm>
+            <a:off x="680321" y="2556813"/>
+            <a:ext cx="6081208" cy="3241806"/>
+          </a:xfrm>
+        </p:spPr>
+        <p:txBody>
+          <a:bodyPr>
+            <a:normAutofit fontScale="85000" lnSpcReduction="10000"/>
+          </a:bodyPr>
           <a:lstStyle/>
           <a:p>
-            <a:endParaRPr lang="es-AR"/>
-          </a:p>
-        </p:txBody>
-      </p:sp>
+            <a:pPr marL="0" indent="0">
+              <a:buNone/>
+            </a:pPr>
+            <a:r>
+              <a:rPr lang="en-US" dirty="0"/>
+              <a:t>Se agregaron 6 triggers en total:</a:t>
+            </a:r>
+          </a:p>
+          <a:p>
+            <a:pPr>
+              <a:buFontTx/>
+              <a:buChar char="-"/>
+            </a:pPr>
+            <a:r>
+              <a:rPr lang="en-US" dirty="0"/>
+              <a:t>‘tr_after_insertar_cliente’</a:t>
+            </a:r>
+          </a:p>
+          <a:p>
+            <a:pPr>
+              <a:buFontTx/>
+              <a:buChar char="-"/>
+            </a:pPr>
+            <a:r>
+              <a:rPr lang="en-US" dirty="0"/>
+              <a:t>‘tr_before_actulizar_cliente’</a:t>
+            </a:r>
+          </a:p>
+          <a:p>
+            <a:pPr>
+              <a:buFontTx/>
+              <a:buChar char="-"/>
+            </a:pPr>
+            <a:r>
+              <a:rPr lang="en-US" dirty="0"/>
+              <a:t>‘tr_before_borrar_cliente’</a:t>
+            </a:r>
+          </a:p>
+          <a:p>
+            <a:pPr>
+              <a:buFontTx/>
+              <a:buChar char="-"/>
+            </a:pPr>
+            <a:r>
+              <a:rPr lang="en-US" dirty="0"/>
+              <a:t>‘tr_after_insertar_detalles_productos’</a:t>
+            </a:r>
+          </a:p>
+          <a:p>
+            <a:pPr>
+              <a:buFontTx/>
+              <a:buChar char="-"/>
+            </a:pPr>
+            <a:r>
+              <a:rPr lang="en-US" dirty="0"/>
+              <a:t>‘tr_before_actualizar_detalles_productos’</a:t>
+            </a:r>
+          </a:p>
+          <a:p>
+            <a:pPr>
+              <a:buFontTx/>
+              <a:buChar char="-"/>
+            </a:pPr>
+            <a:r>
+              <a:rPr lang="en-US" dirty="0"/>
+              <a:t>‘tr_before_eliminar_detalles_productos’</a:t>
+            </a:r>
+          </a:p>
+          <a:p>
+            <a:pPr marL="0" indent="0">
+              <a:buNone/>
+            </a:pPr>
+            <a:r>
+              <a:rPr lang="en-US" dirty="0"/>
+              <a:t>con el objetivo de llevar a cabo un control de quien y cuando inserta, actualiza y elimina datos.</a:t>
+            </a:r>
+            <a:endParaRPr lang="es-AR" dirty="0"/>
+          </a:p>
+        </p:txBody>
+      </p:sp>
+      <p:pic>
+        <p:nvPicPr>
+          <p:cNvPr id="11" name="Imagen 10">
+            <a:extLst>
+              <a:ext uri="{FF2B5EF4-FFF2-40B4-BE49-F238E27FC236}">
+                <a16:creationId xmlns:a16="http://schemas.microsoft.com/office/drawing/2014/main" id="{BE140ABF-FB1A-4E8E-9D93-0CBFCA840848}"/>
+              </a:ext>
+            </a:extLst>
+          </p:cNvPr>
+          <p:cNvPicPr>
+            <a:picLocks noChangeAspect="1"/>
+          </p:cNvPicPr>
+          <p:nvPr/>
+        </p:nvPicPr>
+        <p:blipFill>
+          <a:blip r:embed="rId2">
+            <a:extLst>
+              <a:ext uri="{28A0092B-C50C-407E-A947-70E740481C1C}">
+                <a14:useLocalDpi xmlns:a14="http://schemas.microsoft.com/office/drawing/2010/main" val="0"/>
+              </a:ext>
+            </a:extLst>
+          </a:blip>
+          <a:stretch>
+            <a:fillRect/>
+          </a:stretch>
+        </p:blipFill>
+        <p:spPr>
+          <a:xfrm>
+            <a:off x="7749787" y="2269267"/>
+            <a:ext cx="3461839" cy="1908449"/>
+          </a:xfrm>
+          <a:prstGeom prst="rect">
+            <a:avLst/>
+          </a:prstGeom>
+        </p:spPr>
+      </p:pic>
+      <p:pic>
+        <p:nvPicPr>
+          <p:cNvPr id="13" name="Imagen 12">
+            <a:extLst>
+              <a:ext uri="{FF2B5EF4-FFF2-40B4-BE49-F238E27FC236}">
+                <a16:creationId xmlns:a16="http://schemas.microsoft.com/office/drawing/2014/main" id="{116EB751-E179-4B87-9EBC-6338138A14EE}"/>
+              </a:ext>
+            </a:extLst>
+          </p:cNvPr>
+          <p:cNvPicPr>
+            <a:picLocks noChangeAspect="1"/>
+          </p:cNvPicPr>
+          <p:nvPr/>
+        </p:nvPicPr>
+        <p:blipFill>
+          <a:blip r:embed="rId3">
+            <a:extLst>
+              <a:ext uri="{28A0092B-C50C-407E-A947-70E740481C1C}">
+                <a14:useLocalDpi xmlns:a14="http://schemas.microsoft.com/office/drawing/2010/main" val="0"/>
+              </a:ext>
+            </a:extLst>
+          </a:blip>
+          <a:stretch>
+            <a:fillRect/>
+          </a:stretch>
+        </p:blipFill>
+        <p:spPr>
+          <a:xfrm>
+            <a:off x="7749786" y="4544507"/>
+            <a:ext cx="3461839" cy="1560265"/>
+          </a:xfrm>
+          <a:prstGeom prst="rect">
+            <a:avLst/>
+          </a:prstGeom>
+        </p:spPr>
+      </p:pic>
     </p:spTree>
     <p:extLst>
       <p:ext uri="{BB962C8B-B14F-4D97-AF65-F5344CB8AC3E}">

--- a/Presentacion Proyecto Final.pptx
+++ b/Presentacion Proyecto Final.pptx
@@ -10,18 +10,19 @@
     <p:sldId id="258" r:id="rId4"/>
     <p:sldId id="259" r:id="rId5"/>
     <p:sldId id="260" r:id="rId6"/>
-    <p:sldId id="261" r:id="rId7"/>
-    <p:sldId id="262" r:id="rId8"/>
-    <p:sldId id="263" r:id="rId9"/>
-    <p:sldId id="264" r:id="rId10"/>
-    <p:sldId id="265" r:id="rId11"/>
-    <p:sldId id="268" r:id="rId12"/>
-    <p:sldId id="269" r:id="rId13"/>
-    <p:sldId id="270" r:id="rId14"/>
-    <p:sldId id="271" r:id="rId15"/>
-    <p:sldId id="272" r:id="rId16"/>
-    <p:sldId id="266" r:id="rId17"/>
-    <p:sldId id="267" r:id="rId18"/>
+    <p:sldId id="273" r:id="rId7"/>
+    <p:sldId id="261" r:id="rId8"/>
+    <p:sldId id="262" r:id="rId9"/>
+    <p:sldId id="263" r:id="rId10"/>
+    <p:sldId id="264" r:id="rId11"/>
+    <p:sldId id="265" r:id="rId12"/>
+    <p:sldId id="268" r:id="rId13"/>
+    <p:sldId id="269" r:id="rId14"/>
+    <p:sldId id="270" r:id="rId15"/>
+    <p:sldId id="271" r:id="rId16"/>
+    <p:sldId id="272" r:id="rId17"/>
+    <p:sldId id="266" r:id="rId18"/>
+    <p:sldId id="267" r:id="rId19"/>
   </p:sldIdLst>
   <p:sldSz cx="12192000" cy="6858000"/>
   <p:notesSz cx="6858000" cy="9144000"/>
@@ -402,7 +403,7 @@
           <a:p>
             <a:fld id="{2BCD40F9-9AEF-4566-9519-3BC9146DCCE9}" type="datetimeFigureOut">
               <a:rPr lang="es-AR" smtClean="0"/>
-              <a:t>14/2/2023</a:t>
+              <a:t>15/2/2023</a:t>
             </a:fld>
             <a:endParaRPr lang="es-AR"/>
           </a:p>
@@ -816,7 +817,7 @@
           <a:p>
             <a:fld id="{2BCD40F9-9AEF-4566-9519-3BC9146DCCE9}" type="datetimeFigureOut">
               <a:rPr lang="es-AR" smtClean="0"/>
-              <a:t>14/2/2023</a:t>
+              <a:t>15/2/2023</a:t>
             </a:fld>
             <a:endParaRPr lang="es-AR"/>
           </a:p>
@@ -1152,7 +1153,7 @@
           <a:p>
             <a:fld id="{2BCD40F9-9AEF-4566-9519-3BC9146DCCE9}" type="datetimeFigureOut">
               <a:rPr lang="es-AR" smtClean="0"/>
-              <a:t>14/2/2023</a:t>
+              <a:t>15/2/2023</a:t>
             </a:fld>
             <a:endParaRPr lang="es-AR"/>
           </a:p>
@@ -1557,7 +1558,7 @@
           <a:p>
             <a:fld id="{2BCD40F9-9AEF-4566-9519-3BC9146DCCE9}" type="datetimeFigureOut">
               <a:rPr lang="es-AR" smtClean="0"/>
-              <a:t>14/2/2023</a:t>
+              <a:t>15/2/2023</a:t>
             </a:fld>
             <a:endParaRPr lang="es-AR"/>
           </a:p>
@@ -2125,7 +2126,7 @@
           <a:p>
             <a:fld id="{2BCD40F9-9AEF-4566-9519-3BC9146DCCE9}" type="datetimeFigureOut">
               <a:rPr lang="es-AR" smtClean="0"/>
-              <a:t>14/2/2023</a:t>
+              <a:t>15/2/2023</a:t>
             </a:fld>
             <a:endParaRPr lang="es-AR"/>
           </a:p>
@@ -2806,7 +2807,7 @@
           <a:p>
             <a:fld id="{2BCD40F9-9AEF-4566-9519-3BC9146DCCE9}" type="datetimeFigureOut">
               <a:rPr lang="es-AR" smtClean="0"/>
-              <a:t>14/2/2023</a:t>
+              <a:t>15/2/2023</a:t>
             </a:fld>
             <a:endParaRPr lang="es-AR"/>
           </a:p>
@@ -3719,7 +3720,7 @@
           <a:p>
             <a:fld id="{2BCD40F9-9AEF-4566-9519-3BC9146DCCE9}" type="datetimeFigureOut">
               <a:rPr lang="es-AR" smtClean="0"/>
-              <a:t>14/2/2023</a:t>
+              <a:t>15/2/2023</a:t>
             </a:fld>
             <a:endParaRPr lang="es-AR"/>
           </a:p>
@@ -4032,7 +4033,7 @@
           <a:p>
             <a:fld id="{2BCD40F9-9AEF-4566-9519-3BC9146DCCE9}" type="datetimeFigureOut">
               <a:rPr lang="es-AR" smtClean="0"/>
-              <a:t>14/2/2023</a:t>
+              <a:t>15/2/2023</a:t>
             </a:fld>
             <a:endParaRPr lang="es-AR"/>
           </a:p>
@@ -4296,7 +4297,7 @@
           <a:p>
             <a:fld id="{2BCD40F9-9AEF-4566-9519-3BC9146DCCE9}" type="datetimeFigureOut">
               <a:rPr lang="es-AR" smtClean="0"/>
-              <a:t>14/2/2023</a:t>
+              <a:t>15/2/2023</a:t>
             </a:fld>
             <a:endParaRPr lang="es-AR"/>
           </a:p>
@@ -4619,7 +4620,7 @@
           <a:p>
             <a:fld id="{2BCD40F9-9AEF-4566-9519-3BC9146DCCE9}" type="datetimeFigureOut">
               <a:rPr lang="es-AR" smtClean="0"/>
-              <a:t>14/2/2023</a:t>
+              <a:t>15/2/2023</a:t>
             </a:fld>
             <a:endParaRPr lang="es-AR"/>
           </a:p>
@@ -5008,7 +5009,7 @@
           <a:p>
             <a:fld id="{2BCD40F9-9AEF-4566-9519-3BC9146DCCE9}" type="datetimeFigureOut">
               <a:rPr lang="es-AR" smtClean="0"/>
-              <a:t>14/2/2023</a:t>
+              <a:t>15/2/2023</a:t>
             </a:fld>
             <a:endParaRPr lang="es-AR"/>
           </a:p>
@@ -5384,7 +5385,7 @@
           <a:p>
             <a:fld id="{2BCD40F9-9AEF-4566-9519-3BC9146DCCE9}" type="datetimeFigureOut">
               <a:rPr lang="es-AR" smtClean="0"/>
-              <a:t>14/2/2023</a:t>
+              <a:t>15/2/2023</a:t>
             </a:fld>
             <a:endParaRPr lang="es-AR"/>
           </a:p>
@@ -5890,7 +5891,7 @@
           <a:p>
             <a:fld id="{2BCD40F9-9AEF-4566-9519-3BC9146DCCE9}" type="datetimeFigureOut">
               <a:rPr lang="es-AR" smtClean="0"/>
-              <a:t>14/2/2023</a:t>
+              <a:t>15/2/2023</a:t>
             </a:fld>
             <a:endParaRPr lang="es-AR"/>
           </a:p>
@@ -6147,7 +6148,7 @@
           <a:p>
             <a:fld id="{2BCD40F9-9AEF-4566-9519-3BC9146DCCE9}" type="datetimeFigureOut">
               <a:rPr lang="es-AR" smtClean="0"/>
-              <a:t>14/2/2023</a:t>
+              <a:t>15/2/2023</a:t>
             </a:fld>
             <a:endParaRPr lang="es-AR"/>
           </a:p>
@@ -6310,7 +6311,7 @@
           <a:p>
             <a:fld id="{2BCD40F9-9AEF-4566-9519-3BC9146DCCE9}" type="datetimeFigureOut">
               <a:rPr lang="es-AR" smtClean="0"/>
-              <a:t>14/2/2023</a:t>
+              <a:t>15/2/2023</a:t>
             </a:fld>
             <a:endParaRPr lang="es-AR"/>
           </a:p>
@@ -6700,7 +6701,7 @@
           <a:p>
             <a:fld id="{2BCD40F9-9AEF-4566-9519-3BC9146DCCE9}" type="datetimeFigureOut">
               <a:rPr lang="es-AR" smtClean="0"/>
-              <a:t>14/2/2023</a:t>
+              <a:t>15/2/2023</a:t>
             </a:fld>
             <a:endParaRPr lang="es-AR"/>
           </a:p>
@@ -7109,7 +7110,7 @@
           <a:p>
             <a:fld id="{2BCD40F9-9AEF-4566-9519-3BC9146DCCE9}" type="datetimeFigureOut">
               <a:rPr lang="es-AR" smtClean="0"/>
-              <a:t>14/2/2023</a:t>
+              <a:t>15/2/2023</a:t>
             </a:fld>
             <a:endParaRPr lang="es-AR"/>
           </a:p>
@@ -7353,7 +7354,7 @@
           <a:p>
             <a:fld id="{2BCD40F9-9AEF-4566-9519-3BC9146DCCE9}" type="datetimeFigureOut">
               <a:rPr lang="es-AR" smtClean="0"/>
-              <a:t>14/2/2023</a:t>
+              <a:t>15/2/2023</a:t>
             </a:fld>
             <a:endParaRPr lang="es-AR"/>
           </a:p>
@@ -8135,6 +8136,97 @@
           <p:cNvPr id="2" name="Título 1">
             <a:extLst>
               <a:ext uri="{FF2B5EF4-FFF2-40B4-BE49-F238E27FC236}">
+                <a16:creationId xmlns:a16="http://schemas.microsoft.com/office/drawing/2014/main" id="{43565081-2D5D-487A-A9E2-74F6ED311D18}"/>
+              </a:ext>
+            </a:extLst>
+          </p:cNvPr>
+          <p:cNvSpPr>
+            <a:spLocks noGrp="1"/>
+          </p:cNvSpPr>
+          <p:nvPr>
+            <p:ph type="title"/>
+          </p:nvPr>
+        </p:nvSpPr>
+        <p:spPr>
+          <a:xfrm>
+            <a:off x="355600" y="765928"/>
+            <a:ext cx="9938582" cy="1080938"/>
+          </a:xfrm>
+        </p:spPr>
+        <p:txBody>
+          <a:bodyPr>
+            <a:normAutofit/>
+          </a:bodyPr>
+          <a:lstStyle/>
+          <a:p>
+            <a:r>
+              <a:rPr lang="en-US" sz="3400" dirty="0"/>
+              <a:t>DIAGRAMA DE TABLAS CONTROL DE DISTRIBUIDORA</a:t>
+            </a:r>
+            <a:endParaRPr lang="es-AR" sz="3400" dirty="0"/>
+          </a:p>
+        </p:txBody>
+      </p:sp>
+      <p:sp>
+        <p:nvSpPr>
+          <p:cNvPr id="3" name="Marcador de contenido 2">
+            <a:extLst>
+              <a:ext uri="{FF2B5EF4-FFF2-40B4-BE49-F238E27FC236}">
+                <a16:creationId xmlns:a16="http://schemas.microsoft.com/office/drawing/2014/main" id="{69B74F71-09A4-492C-832E-DCB630EC9541}"/>
+              </a:ext>
+            </a:extLst>
+          </p:cNvPr>
+          <p:cNvSpPr>
+            <a:spLocks noGrp="1"/>
+          </p:cNvSpPr>
+          <p:nvPr>
+            <p:ph idx="1"/>
+          </p:nvPr>
+        </p:nvSpPr>
+        <p:spPr/>
+        <p:txBody>
+          <a:bodyPr/>
+          <a:lstStyle/>
+          <a:p>
+            <a:endParaRPr lang="es-AR"/>
+          </a:p>
+        </p:txBody>
+      </p:sp>
+    </p:spTree>
+    <p:extLst>
+      <p:ext uri="{BB962C8B-B14F-4D97-AF65-F5344CB8AC3E}">
+        <p14:creationId xmlns:p14="http://schemas.microsoft.com/office/powerpoint/2010/main" val="2022690095"/>
+      </p:ext>
+    </p:extLst>
+  </p:cSld>
+  <p:clrMapOvr>
+    <a:masterClrMapping/>
+  </p:clrMapOvr>
+</p:sld>
+</file>
+
+<file path=ppt/slides/slide11.xml><?xml version="1.0" encoding="utf-8"?>
+<p:sld xmlns:a="http://schemas.openxmlformats.org/drawingml/2006/main" xmlns:r="http://schemas.openxmlformats.org/officeDocument/2006/relationships" xmlns:p="http://schemas.openxmlformats.org/presentationml/2006/main">
+  <p:cSld>
+    <p:spTree>
+      <p:nvGrpSpPr>
+        <p:cNvPr id="1" name=""/>
+        <p:cNvGrpSpPr/>
+        <p:nvPr/>
+      </p:nvGrpSpPr>
+      <p:grpSpPr>
+        <a:xfrm>
+          <a:off x="0" y="0"/>
+          <a:ext cx="0" cy="0"/>
+          <a:chOff x="0" y="0"/>
+          <a:chExt cx="0" cy="0"/>
+        </a:xfrm>
+      </p:grpSpPr>
+      <p:sp>
+        <p:nvSpPr>
+          <p:cNvPr id="2" name="Título 1">
+            <a:extLst>
+              <a:ext uri="{FF2B5EF4-FFF2-40B4-BE49-F238E27FC236}">
                 <a16:creationId xmlns:a16="http://schemas.microsoft.com/office/drawing/2014/main" id="{36ECFDD9-BDE9-42C5-A652-C530867C4E12}"/>
               </a:ext>
             </a:extLst>
@@ -8280,7 +8372,7 @@
 </p:sld>
 </file>
 
-<file path=ppt/slides/slide11.xml><?xml version="1.0" encoding="utf-8"?>
+<file path=ppt/slides/slide12.xml><?xml version="1.0" encoding="utf-8"?>
 <p:sld xmlns:a="http://schemas.openxmlformats.org/drawingml/2006/main" xmlns:r="http://schemas.openxmlformats.org/officeDocument/2006/relationships" xmlns:p="http://schemas.openxmlformats.org/presentationml/2006/main">
   <p:cSld>
     <p:spTree>
@@ -8447,7 +8539,7 @@
 </p:sld>
 </file>
 
-<file path=ppt/slides/slide12.xml><?xml version="1.0" encoding="utf-8"?>
+<file path=ppt/slides/slide13.xml><?xml version="1.0" encoding="utf-8"?>
 <p:sld xmlns:a="http://schemas.openxmlformats.org/drawingml/2006/main" xmlns:r="http://schemas.openxmlformats.org/officeDocument/2006/relationships" xmlns:p="http://schemas.openxmlformats.org/presentationml/2006/main">
   <p:cSld>
     <p:spTree>
@@ -8614,7 +8706,7 @@
 </p:sld>
 </file>
 
-<file path=ppt/slides/slide13.xml><?xml version="1.0" encoding="utf-8"?>
+<file path=ppt/slides/slide14.xml><?xml version="1.0" encoding="utf-8"?>
 <p:sld xmlns:a="http://schemas.openxmlformats.org/drawingml/2006/main" xmlns:r="http://schemas.openxmlformats.org/officeDocument/2006/relationships" xmlns:p="http://schemas.openxmlformats.org/presentationml/2006/main">
   <p:cSld>
     <p:spTree>
@@ -8709,7 +8801,7 @@
 </p:sld>
 </file>
 
-<file path=ppt/slides/slide14.xml><?xml version="1.0" encoding="utf-8"?>
+<file path=ppt/slides/slide15.xml><?xml version="1.0" encoding="utf-8"?>
 <p:sld xmlns:a="http://schemas.openxmlformats.org/drawingml/2006/main" xmlns:r="http://schemas.openxmlformats.org/officeDocument/2006/relationships" xmlns:p="http://schemas.openxmlformats.org/presentationml/2006/main">
   <p:cSld>
     <p:spTree>
@@ -8840,7 +8932,7 @@
 </p:sld>
 </file>
 
-<file path=ppt/slides/slide15.xml><?xml version="1.0" encoding="utf-8"?>
+<file path=ppt/slides/slide16.xml><?xml version="1.0" encoding="utf-8"?>
 <p:sld xmlns:a="http://schemas.openxmlformats.org/drawingml/2006/main" xmlns:r="http://schemas.openxmlformats.org/officeDocument/2006/relationships" xmlns:p="http://schemas.openxmlformats.org/presentationml/2006/main">
   <p:cSld>
     <p:spTree>
@@ -8971,7 +9063,7 @@
 </p:sld>
 </file>
 
-<file path=ppt/slides/slide16.xml><?xml version="1.0" encoding="utf-8"?>
+<file path=ppt/slides/slide17.xml><?xml version="1.0" encoding="utf-8"?>
 <p:sld xmlns:a="http://schemas.openxmlformats.org/drawingml/2006/main" xmlns:r="http://schemas.openxmlformats.org/officeDocument/2006/relationships" xmlns:p="http://schemas.openxmlformats.org/presentationml/2006/main">
   <p:cSld>
     <p:spTree>
@@ -9055,7 +9147,7 @@
 </p:sld>
 </file>
 
-<file path=ppt/slides/slide17.xml><?xml version="1.0" encoding="utf-8"?>
+<file path=ppt/slides/slide18.xml><?xml version="1.0" encoding="utf-8"?>
 <p:sld xmlns:a="http://schemas.openxmlformats.org/drawingml/2006/main" xmlns:r="http://schemas.openxmlformats.org/officeDocument/2006/relationships" xmlns:p="http://schemas.openxmlformats.org/presentationml/2006/main">
   <p:cSld>
     <p:spTree>
@@ -9577,7 +9669,7 @@
               <a:rPr lang="en-US" dirty="0">
                 <a:hlinkClick r:id="rId4" action="ppaction://hlinksldjump"/>
               </a:rPr>
-              <a:t>Pag.5</a:t>
+              <a:t>Pag.5-6</a:t>
             </a:r>
             <a:endParaRPr lang="en-US" dirty="0"/>
           </a:p>
@@ -9586,7 +9678,7 @@
               <a:rPr lang="en-US" dirty="0">
                 <a:hlinkClick r:id="rId5" action="ppaction://hlinksldjump"/>
               </a:rPr>
-              <a:t>Pag.6</a:t>
+              <a:t>Pag.7</a:t>
             </a:r>
             <a:endParaRPr lang="en-US" dirty="0"/>
           </a:p>
@@ -9595,7 +9687,7 @@
               <a:rPr lang="en-US" dirty="0">
                 <a:hlinkClick r:id="rId6" action="ppaction://hlinksldjump"/>
               </a:rPr>
-              <a:t>Pag.7</a:t>
+              <a:t>Pag.8</a:t>
             </a:r>
             <a:endParaRPr lang="en-US" dirty="0"/>
           </a:p>
@@ -9604,7 +9696,7 @@
               <a:rPr lang="en-US" dirty="0">
                 <a:hlinkClick r:id="rId7" action="ppaction://hlinksldjump"/>
               </a:rPr>
-              <a:t>Pag.8</a:t>
+              <a:t>Pag.9</a:t>
             </a:r>
             <a:endParaRPr lang="en-US" dirty="0"/>
           </a:p>
@@ -9613,7 +9705,7 @@
               <a:rPr lang="en-US" dirty="0">
                 <a:hlinkClick r:id="rId8" action="ppaction://hlinksldjump"/>
               </a:rPr>
-              <a:t>Pag.9</a:t>
+              <a:t>Pag.10</a:t>
             </a:r>
             <a:endParaRPr lang="en-US" dirty="0"/>
           </a:p>
@@ -9622,20 +9714,20 @@
               <a:rPr lang="en-US" dirty="0">
                 <a:hlinkClick r:id="rId9" action="ppaction://hlinksldjump"/>
               </a:rPr>
-              <a:t>Pag.10-13 </a:t>
+              <a:t>Pag.11-16 </a:t>
             </a:r>
             <a:endParaRPr lang="en-US" dirty="0"/>
-          </a:p>
-          <a:p>
-            <a:r>
-              <a:rPr lang="en-US" dirty="0"/>
-              <a:t>Pag.16</a:t>
-            </a:r>
           </a:p>
           <a:p>
             <a:r>
               <a:rPr lang="en-US" dirty="0"/>
               <a:t>Pag.17</a:t>
+            </a:r>
+          </a:p>
+          <a:p>
+            <a:r>
+              <a:rPr lang="en-US" dirty="0"/>
+              <a:t>Pag.18</a:t>
             </a:r>
           </a:p>
         </p:txBody>
@@ -9992,15 +10084,85 @@
             <p:ph idx="1"/>
           </p:nvPr>
         </p:nvSpPr>
-        <p:spPr/>
-        <p:txBody>
-          <a:bodyPr/>
+        <p:spPr>
+          <a:xfrm>
+            <a:off x="192605" y="2289452"/>
+            <a:ext cx="9613861" cy="4111347"/>
+          </a:xfrm>
+        </p:spPr>
+        <p:txBody>
+          <a:bodyPr>
+            <a:normAutofit fontScale="92500"/>
+          </a:bodyPr>
           <a:lstStyle/>
           <a:p>
-            <a:endParaRPr lang="es-AR"/>
-          </a:p>
-        </p:txBody>
-      </p:sp>
+            <a:pPr marL="0" indent="0">
+              <a:buNone/>
+            </a:pPr>
+            <a:r>
+              <a:rPr lang="en-US" dirty="0"/>
+              <a:t>Se agregaron los store procedure (procedimientos almacenados) con los nombres ‘sp_inserter_cliente’, ‘sp_eliminar_cliente’, ‘sp_lista_clientes’:</a:t>
+            </a:r>
+          </a:p>
+          <a:p>
+            <a:pPr>
+              <a:buFontTx/>
+              <a:buChar char="-"/>
+            </a:pPr>
+            <a:r>
+              <a:rPr lang="en-US" dirty="0"/>
+              <a:t>‘sp_inserter_cliente’: Se creo este procedimiento almacenado con el objetivo de hacer mas facil la introduccion de datos. Se debe introducir los datos correspondientes a cada parametro de entrada los cuales representan los campos de la tabla ‘clientes’. Estos parametros son: ID_Cliente, CL_Nombre, CL_Apellido, CL_DNI, CL_CUIT, CL_Telefono, CL_Email.</a:t>
+            </a:r>
+          </a:p>
+          <a:p>
+            <a:pPr>
+              <a:buFontTx/>
+              <a:buChar char="-"/>
+            </a:pPr>
+            <a:r>
+              <a:rPr lang="en-US" dirty="0"/>
+              <a:t>‘sp_eliminar_cliente’: Se creo este procedimiento almacenado con el objetivo de hacer mas facil la eliminacion de datos. Se debe introducir el ID correspondiente del cliente que se quiera eliminar tomando de referencia dicho campo (ID_Cliente) de la tabla ‘clientes’.</a:t>
+            </a:r>
+            <a:endParaRPr lang="es-AR" dirty="0"/>
+          </a:p>
+        </p:txBody>
+      </p:sp>
+      <p:pic>
+        <p:nvPicPr>
+          <p:cNvPr id="5" name="Imagen 4">
+            <a:extLst>
+              <a:ext uri="{FF2B5EF4-FFF2-40B4-BE49-F238E27FC236}">
+                <a16:creationId xmlns:a16="http://schemas.microsoft.com/office/drawing/2014/main" id="{A88EA357-0C42-4D49-AEB2-CCE246B321C6}"/>
+              </a:ext>
+            </a:extLst>
+          </p:cNvPr>
+          <p:cNvPicPr>
+            <a:picLocks noChangeAspect="1"/>
+          </p:cNvPicPr>
+          <p:nvPr/>
+        </p:nvPicPr>
+        <p:blipFill>
+          <a:blip r:embed="rId2">
+            <a:extLst>
+              <a:ext uri="{28A0092B-C50C-407E-A947-70E740481C1C}">
+                <a14:useLocalDpi xmlns:a14="http://schemas.microsoft.com/office/drawing/2010/main" val="0"/>
+              </a:ext>
+            </a:extLst>
+          </a:blip>
+          <a:stretch>
+            <a:fillRect/>
+          </a:stretch>
+        </p:blipFill>
+        <p:spPr>
+          <a:xfrm>
+            <a:off x="9582982" y="3667114"/>
+            <a:ext cx="2416413" cy="2074812"/>
+          </a:xfrm>
+          <a:prstGeom prst="rect">
+            <a:avLst/>
+          </a:prstGeom>
+        </p:spPr>
+      </p:pic>
     </p:spTree>
     <p:extLst>
       <p:ext uri="{BB962C8B-B14F-4D97-AF65-F5344CB8AC3E}">
@@ -10036,6 +10198,102 @@
           <p:cNvPr id="2" name="Título 1">
             <a:extLst>
               <a:ext uri="{FF2B5EF4-FFF2-40B4-BE49-F238E27FC236}">
+                <a16:creationId xmlns:a16="http://schemas.microsoft.com/office/drawing/2014/main" id="{95FC1169-3E42-4D60-9D68-5E6D55711BC8}"/>
+              </a:ext>
+            </a:extLst>
+          </p:cNvPr>
+          <p:cNvSpPr>
+            <a:spLocks noGrp="1"/>
+          </p:cNvSpPr>
+          <p:nvPr>
+            <p:ph type="title"/>
+          </p:nvPr>
+        </p:nvSpPr>
+        <p:spPr/>
+        <p:txBody>
+          <a:bodyPr/>
+          <a:lstStyle/>
+          <a:p>
+            <a:r>
+              <a:rPr lang="en-US" dirty="0"/>
+              <a:t>STORE PROCEDURE 2</a:t>
+            </a:r>
+            <a:endParaRPr lang="es-AR" dirty="0"/>
+          </a:p>
+        </p:txBody>
+      </p:sp>
+      <p:sp>
+        <p:nvSpPr>
+          <p:cNvPr id="3" name="Marcador de contenido 2">
+            <a:extLst>
+              <a:ext uri="{FF2B5EF4-FFF2-40B4-BE49-F238E27FC236}">
+                <a16:creationId xmlns:a16="http://schemas.microsoft.com/office/drawing/2014/main" id="{BBEC9E85-17B3-46F0-9266-9A412C640AEE}"/>
+              </a:ext>
+            </a:extLst>
+          </p:cNvPr>
+          <p:cNvSpPr>
+            <a:spLocks noGrp="1"/>
+          </p:cNvSpPr>
+          <p:nvPr>
+            <p:ph idx="1"/>
+          </p:nvPr>
+        </p:nvSpPr>
+        <p:spPr>
+          <a:xfrm>
+            <a:off x="680321" y="2697401"/>
+            <a:ext cx="9613861" cy="3599316"/>
+          </a:xfrm>
+        </p:spPr>
+        <p:txBody>
+          <a:bodyPr/>
+          <a:lstStyle/>
+          <a:p>
+            <a:pPr marL="0" indent="0">
+              <a:buNone/>
+            </a:pPr>
+            <a:r>
+              <a:rPr lang="en-US" dirty="0"/>
+              <a:t>- ‘sp_lista_clientes’: nos permite ordenar utilizando cualquier campo de la tabla ‘clientes’ en el parametro ‘field’, escribiendo su nombre correspondiente a la tabla. Los nombres son los siguientes: ID_Cliente, CL_Nombre, CL_Apellido, CL_DNI, CL_CUIT, CL_Telefono, CL_Email. Tambien Podemos ordenar por oden ascendente o descendente especificando las palabras ASC o DESC respectivamente.</a:t>
+            </a:r>
+            <a:endParaRPr lang="es-AR" dirty="0"/>
+          </a:p>
+        </p:txBody>
+      </p:sp>
+    </p:spTree>
+    <p:extLst>
+      <p:ext uri="{BB962C8B-B14F-4D97-AF65-F5344CB8AC3E}">
+        <p14:creationId xmlns:p14="http://schemas.microsoft.com/office/powerpoint/2010/main" val="464717023"/>
+      </p:ext>
+    </p:extLst>
+  </p:cSld>
+  <p:clrMapOvr>
+    <a:masterClrMapping/>
+  </p:clrMapOvr>
+</p:sld>
+</file>
+
+<file path=ppt/slides/slide7.xml><?xml version="1.0" encoding="utf-8"?>
+<p:sld xmlns:a="http://schemas.openxmlformats.org/drawingml/2006/main" xmlns:r="http://schemas.openxmlformats.org/officeDocument/2006/relationships" xmlns:p="http://schemas.openxmlformats.org/presentationml/2006/main">
+  <p:cSld>
+    <p:spTree>
+      <p:nvGrpSpPr>
+        <p:cNvPr id="1" name=""/>
+        <p:cNvGrpSpPr/>
+        <p:nvPr/>
+      </p:nvGrpSpPr>
+      <p:grpSpPr>
+        <a:xfrm>
+          <a:off x="0" y="0"/>
+          <a:ext cx="0" cy="0"/>
+          <a:chOff x="0" y="0"/>
+          <a:chExt cx="0" cy="0"/>
+        </a:xfrm>
+      </p:grpSpPr>
+      <p:sp>
+        <p:nvSpPr>
+          <p:cNvPr id="2" name="Título 1">
+            <a:extLst>
+              <a:ext uri="{FF2B5EF4-FFF2-40B4-BE49-F238E27FC236}">
                 <a16:creationId xmlns:a16="http://schemas.microsoft.com/office/drawing/2014/main" id="{416A5688-BF4C-44F3-856E-25C882F61D30}"/>
               </a:ext>
             </a:extLst>
@@ -10146,7 +10404,7 @@
 </p:sld>
 </file>
 
-<file path=ppt/slides/slide7.xml><?xml version="1.0" encoding="utf-8"?>
+<file path=ppt/slides/slide8.xml><?xml version="1.0" encoding="utf-8"?>
 <p:sld xmlns:a="http://schemas.openxmlformats.org/drawingml/2006/main" xmlns:r="http://schemas.openxmlformats.org/officeDocument/2006/relationships" xmlns:p="http://schemas.openxmlformats.org/presentationml/2006/main">
   <p:cSld>
     <p:spTree>
@@ -10235,7 +10493,15 @@
             </a:pPr>
             <a:r>
               <a:rPr lang="en-US" dirty="0"/>
-              <a:t>‘tr_after_insertar_cliente’</a:t>
+              <a:t>‘</a:t>
+            </a:r>
+            <a:r>
+              <a:rPr lang="en-US" dirty="0" err="1"/>
+              <a:t>tr_after_insertar_cliente</a:t>
+            </a:r>
+            <a:r>
+              <a:rPr lang="en-US" dirty="0"/>
+              <a:t>’</a:t>
             </a:r>
           </a:p>
           <a:p>
@@ -10245,7 +10511,15 @@
             </a:pPr>
             <a:r>
               <a:rPr lang="en-US" dirty="0"/>
-              <a:t>‘tr_before_actulizar_cliente’</a:t>
+              <a:t>‘</a:t>
+            </a:r>
+            <a:r>
+              <a:rPr lang="en-US" dirty="0" err="1"/>
+              <a:t>tr_before_actulizar_cliente</a:t>
+            </a:r>
+            <a:r>
+              <a:rPr lang="en-US" dirty="0"/>
+              <a:t>’</a:t>
             </a:r>
           </a:p>
           <a:p>
@@ -10255,7 +10529,15 @@
             </a:pPr>
             <a:r>
               <a:rPr lang="en-US" dirty="0"/>
-              <a:t>‘tr_before_borrar_cliente’</a:t>
+              <a:t>‘</a:t>
+            </a:r>
+            <a:r>
+              <a:rPr lang="en-US" dirty="0" err="1"/>
+              <a:t>tr_before_borrar_cliente</a:t>
+            </a:r>
+            <a:r>
+              <a:rPr lang="en-US" dirty="0"/>
+              <a:t>’</a:t>
             </a:r>
           </a:p>
           <a:p>
@@ -10285,7 +10567,15 @@
             </a:pPr>
             <a:r>
               <a:rPr lang="en-US" dirty="0"/>
-              <a:t>‘tr_before_eliminar_detalles_productos’</a:t>
+              <a:t>‘</a:t>
+            </a:r>
+            <a:r>
+              <a:rPr lang="en-US" dirty="0" err="1"/>
+              <a:t>tr_before_eliminar_detalles_productos</a:t>
+            </a:r>
+            <a:r>
+              <a:rPr lang="en-US" dirty="0"/>
+              <a:t>’</a:t>
             </a:r>
           </a:p>
           <a:p>
@@ -10385,7 +10675,7 @@
 </p:sld>
 </file>
 
-<file path=ppt/slides/slide8.xml><?xml version="1.0" encoding="utf-8"?>
+<file path=ppt/slides/slide9.xml><?xml version="1.0" encoding="utf-8"?>
 <p:sld xmlns:a="http://schemas.openxmlformats.org/drawingml/2006/main" xmlns:r="http://schemas.openxmlformats.org/officeDocument/2006/relationships" xmlns:p="http://schemas.openxmlformats.org/presentationml/2006/main">
   <p:cSld>
     <p:spTree>
@@ -10471,97 +10761,6 @@
     <p:extLst>
       <p:ext uri="{BB962C8B-B14F-4D97-AF65-F5344CB8AC3E}">
         <p14:creationId xmlns:p14="http://schemas.microsoft.com/office/powerpoint/2010/main" val="2410499016"/>
-      </p:ext>
-    </p:extLst>
-  </p:cSld>
-  <p:clrMapOvr>
-    <a:masterClrMapping/>
-  </p:clrMapOvr>
-</p:sld>
-</file>
-
-<file path=ppt/slides/slide9.xml><?xml version="1.0" encoding="utf-8"?>
-<p:sld xmlns:a="http://schemas.openxmlformats.org/drawingml/2006/main" xmlns:r="http://schemas.openxmlformats.org/officeDocument/2006/relationships" xmlns:p="http://schemas.openxmlformats.org/presentationml/2006/main">
-  <p:cSld>
-    <p:spTree>
-      <p:nvGrpSpPr>
-        <p:cNvPr id="1" name=""/>
-        <p:cNvGrpSpPr/>
-        <p:nvPr/>
-      </p:nvGrpSpPr>
-      <p:grpSpPr>
-        <a:xfrm>
-          <a:off x="0" y="0"/>
-          <a:ext cx="0" cy="0"/>
-          <a:chOff x="0" y="0"/>
-          <a:chExt cx="0" cy="0"/>
-        </a:xfrm>
-      </p:grpSpPr>
-      <p:sp>
-        <p:nvSpPr>
-          <p:cNvPr id="2" name="Título 1">
-            <a:extLst>
-              <a:ext uri="{FF2B5EF4-FFF2-40B4-BE49-F238E27FC236}">
-                <a16:creationId xmlns:a16="http://schemas.microsoft.com/office/drawing/2014/main" id="{43565081-2D5D-487A-A9E2-74F6ED311D18}"/>
-              </a:ext>
-            </a:extLst>
-          </p:cNvPr>
-          <p:cNvSpPr>
-            <a:spLocks noGrp="1"/>
-          </p:cNvSpPr>
-          <p:nvPr>
-            <p:ph type="title"/>
-          </p:nvPr>
-        </p:nvSpPr>
-        <p:spPr>
-          <a:xfrm>
-            <a:off x="355600" y="765928"/>
-            <a:ext cx="9938582" cy="1080938"/>
-          </a:xfrm>
-        </p:spPr>
-        <p:txBody>
-          <a:bodyPr>
-            <a:normAutofit/>
-          </a:bodyPr>
-          <a:lstStyle/>
-          <a:p>
-            <a:r>
-              <a:rPr lang="en-US" sz="3400" dirty="0"/>
-              <a:t>DIAGRAMA DE TABLAS CONTROL DE DISTRIBUIDORA</a:t>
-            </a:r>
-            <a:endParaRPr lang="es-AR" sz="3400" dirty="0"/>
-          </a:p>
-        </p:txBody>
-      </p:sp>
-      <p:sp>
-        <p:nvSpPr>
-          <p:cNvPr id="3" name="Marcador de contenido 2">
-            <a:extLst>
-              <a:ext uri="{FF2B5EF4-FFF2-40B4-BE49-F238E27FC236}">
-                <a16:creationId xmlns:a16="http://schemas.microsoft.com/office/drawing/2014/main" id="{69B74F71-09A4-492C-832E-DCB630EC9541}"/>
-              </a:ext>
-            </a:extLst>
-          </p:cNvPr>
-          <p:cNvSpPr>
-            <a:spLocks noGrp="1"/>
-          </p:cNvSpPr>
-          <p:nvPr>
-            <p:ph idx="1"/>
-          </p:nvPr>
-        </p:nvSpPr>
-        <p:spPr/>
-        <p:txBody>
-          <a:bodyPr/>
-          <a:lstStyle/>
-          <a:p>
-            <a:endParaRPr lang="es-AR"/>
-          </a:p>
-        </p:txBody>
-      </p:sp>
-    </p:spTree>
-    <p:extLst>
-      <p:ext uri="{BB962C8B-B14F-4D97-AF65-F5344CB8AC3E}">
-        <p14:creationId xmlns:p14="http://schemas.microsoft.com/office/powerpoint/2010/main" val="2022690095"/>
       </p:ext>
     </p:extLst>
   </p:cSld>

--- a/Presentacion Proyecto Final.pptx
+++ b/Presentacion Proyecto Final.pptx
@@ -15,13 +15,13 @@
     <p:sldId id="262" r:id="rId9"/>
     <p:sldId id="263" r:id="rId10"/>
     <p:sldId id="264" r:id="rId11"/>
-    <p:sldId id="265" r:id="rId12"/>
-    <p:sldId id="268" r:id="rId13"/>
-    <p:sldId id="269" r:id="rId14"/>
-    <p:sldId id="270" r:id="rId15"/>
-    <p:sldId id="271" r:id="rId16"/>
-    <p:sldId id="272" r:id="rId17"/>
-    <p:sldId id="266" r:id="rId18"/>
+    <p:sldId id="274" r:id="rId12"/>
+    <p:sldId id="265" r:id="rId13"/>
+    <p:sldId id="268" r:id="rId14"/>
+    <p:sldId id="269" r:id="rId15"/>
+    <p:sldId id="270" r:id="rId16"/>
+    <p:sldId id="271" r:id="rId17"/>
+    <p:sldId id="272" r:id="rId18"/>
     <p:sldId id="267" r:id="rId19"/>
   </p:sldIdLst>
   <p:sldSz cx="12192000" cy="6858000"/>
@@ -403,7 +403,7 @@
           <a:p>
             <a:fld id="{2BCD40F9-9AEF-4566-9519-3BC9146DCCE9}" type="datetimeFigureOut">
               <a:rPr lang="es-AR" smtClean="0"/>
-              <a:t>15/2/2023</a:t>
+              <a:t>15/3/2023</a:t>
             </a:fld>
             <a:endParaRPr lang="es-AR"/>
           </a:p>
@@ -817,7 +817,7 @@
           <a:p>
             <a:fld id="{2BCD40F9-9AEF-4566-9519-3BC9146DCCE9}" type="datetimeFigureOut">
               <a:rPr lang="es-AR" smtClean="0"/>
-              <a:t>15/2/2023</a:t>
+              <a:t>15/3/2023</a:t>
             </a:fld>
             <a:endParaRPr lang="es-AR"/>
           </a:p>
@@ -1153,7 +1153,7 @@
           <a:p>
             <a:fld id="{2BCD40F9-9AEF-4566-9519-3BC9146DCCE9}" type="datetimeFigureOut">
               <a:rPr lang="es-AR" smtClean="0"/>
-              <a:t>15/2/2023</a:t>
+              <a:t>15/3/2023</a:t>
             </a:fld>
             <a:endParaRPr lang="es-AR"/>
           </a:p>
@@ -1558,7 +1558,7 @@
           <a:p>
             <a:fld id="{2BCD40F9-9AEF-4566-9519-3BC9146DCCE9}" type="datetimeFigureOut">
               <a:rPr lang="es-AR" smtClean="0"/>
-              <a:t>15/2/2023</a:t>
+              <a:t>15/3/2023</a:t>
             </a:fld>
             <a:endParaRPr lang="es-AR"/>
           </a:p>
@@ -2126,7 +2126,7 @@
           <a:p>
             <a:fld id="{2BCD40F9-9AEF-4566-9519-3BC9146DCCE9}" type="datetimeFigureOut">
               <a:rPr lang="es-AR" smtClean="0"/>
-              <a:t>15/2/2023</a:t>
+              <a:t>15/3/2023</a:t>
             </a:fld>
             <a:endParaRPr lang="es-AR"/>
           </a:p>
@@ -2807,7 +2807,7 @@
           <a:p>
             <a:fld id="{2BCD40F9-9AEF-4566-9519-3BC9146DCCE9}" type="datetimeFigureOut">
               <a:rPr lang="es-AR" smtClean="0"/>
-              <a:t>15/2/2023</a:t>
+              <a:t>15/3/2023</a:t>
             </a:fld>
             <a:endParaRPr lang="es-AR"/>
           </a:p>
@@ -3720,7 +3720,7 @@
           <a:p>
             <a:fld id="{2BCD40F9-9AEF-4566-9519-3BC9146DCCE9}" type="datetimeFigureOut">
               <a:rPr lang="es-AR" smtClean="0"/>
-              <a:t>15/2/2023</a:t>
+              <a:t>15/3/2023</a:t>
             </a:fld>
             <a:endParaRPr lang="es-AR"/>
           </a:p>
@@ -4033,7 +4033,7 @@
           <a:p>
             <a:fld id="{2BCD40F9-9AEF-4566-9519-3BC9146DCCE9}" type="datetimeFigureOut">
               <a:rPr lang="es-AR" smtClean="0"/>
-              <a:t>15/2/2023</a:t>
+              <a:t>15/3/2023</a:t>
             </a:fld>
             <a:endParaRPr lang="es-AR"/>
           </a:p>
@@ -4297,7 +4297,7 @@
           <a:p>
             <a:fld id="{2BCD40F9-9AEF-4566-9519-3BC9146DCCE9}" type="datetimeFigureOut">
               <a:rPr lang="es-AR" smtClean="0"/>
-              <a:t>15/2/2023</a:t>
+              <a:t>15/3/2023</a:t>
             </a:fld>
             <a:endParaRPr lang="es-AR"/>
           </a:p>
@@ -4620,7 +4620,7 @@
           <a:p>
             <a:fld id="{2BCD40F9-9AEF-4566-9519-3BC9146DCCE9}" type="datetimeFigureOut">
               <a:rPr lang="es-AR" smtClean="0"/>
-              <a:t>15/2/2023</a:t>
+              <a:t>15/3/2023</a:t>
             </a:fld>
             <a:endParaRPr lang="es-AR"/>
           </a:p>
@@ -5009,7 +5009,7 @@
           <a:p>
             <a:fld id="{2BCD40F9-9AEF-4566-9519-3BC9146DCCE9}" type="datetimeFigureOut">
               <a:rPr lang="es-AR" smtClean="0"/>
-              <a:t>15/2/2023</a:t>
+              <a:t>15/3/2023</a:t>
             </a:fld>
             <a:endParaRPr lang="es-AR"/>
           </a:p>
@@ -5385,7 +5385,7 @@
           <a:p>
             <a:fld id="{2BCD40F9-9AEF-4566-9519-3BC9146DCCE9}" type="datetimeFigureOut">
               <a:rPr lang="es-AR" smtClean="0"/>
-              <a:t>15/2/2023</a:t>
+              <a:t>15/3/2023</a:t>
             </a:fld>
             <a:endParaRPr lang="es-AR"/>
           </a:p>
@@ -5891,7 +5891,7 @@
           <a:p>
             <a:fld id="{2BCD40F9-9AEF-4566-9519-3BC9146DCCE9}" type="datetimeFigureOut">
               <a:rPr lang="es-AR" smtClean="0"/>
-              <a:t>15/2/2023</a:t>
+              <a:t>15/3/2023</a:t>
             </a:fld>
             <a:endParaRPr lang="es-AR"/>
           </a:p>
@@ -6148,7 +6148,7 @@
           <a:p>
             <a:fld id="{2BCD40F9-9AEF-4566-9519-3BC9146DCCE9}" type="datetimeFigureOut">
               <a:rPr lang="es-AR" smtClean="0"/>
-              <a:t>15/2/2023</a:t>
+              <a:t>15/3/2023</a:t>
             </a:fld>
             <a:endParaRPr lang="es-AR"/>
           </a:p>
@@ -6311,7 +6311,7 @@
           <a:p>
             <a:fld id="{2BCD40F9-9AEF-4566-9519-3BC9146DCCE9}" type="datetimeFigureOut">
               <a:rPr lang="es-AR" smtClean="0"/>
-              <a:t>15/2/2023</a:t>
+              <a:t>15/3/2023</a:t>
             </a:fld>
             <a:endParaRPr lang="es-AR"/>
           </a:p>
@@ -6701,7 +6701,7 @@
           <a:p>
             <a:fld id="{2BCD40F9-9AEF-4566-9519-3BC9146DCCE9}" type="datetimeFigureOut">
               <a:rPr lang="es-AR" smtClean="0"/>
-              <a:t>15/2/2023</a:t>
+              <a:t>15/3/2023</a:t>
             </a:fld>
             <a:endParaRPr lang="es-AR"/>
           </a:p>
@@ -7110,7 +7110,7 @@
           <a:p>
             <a:fld id="{2BCD40F9-9AEF-4566-9519-3BC9146DCCE9}" type="datetimeFigureOut">
               <a:rPr lang="es-AR" smtClean="0"/>
-              <a:t>15/2/2023</a:t>
+              <a:t>15/3/2023</a:t>
             </a:fld>
             <a:endParaRPr lang="es-AR"/>
           </a:p>
@@ -7354,7 +7354,7 @@
           <a:p>
             <a:fld id="{2BCD40F9-9AEF-4566-9519-3BC9146DCCE9}" type="datetimeFigureOut">
               <a:rPr lang="es-AR" smtClean="0"/>
-              <a:t>15/2/2023</a:t>
+              <a:t>15/3/2023</a:t>
             </a:fld>
             <a:endParaRPr lang="es-AR"/>
           </a:p>
@@ -8167,31 +8167,42 @@
           </a:p>
         </p:txBody>
       </p:sp>
-      <p:sp>
-        <p:nvSpPr>
-          <p:cNvPr id="3" name="Marcador de contenido 2">
+      <p:pic>
+        <p:nvPicPr>
+          <p:cNvPr id="5" name="Imagen 4">
             <a:extLst>
               <a:ext uri="{FF2B5EF4-FFF2-40B4-BE49-F238E27FC236}">
-                <a16:creationId xmlns:a16="http://schemas.microsoft.com/office/drawing/2014/main" id="{69B74F71-09A4-492C-832E-DCB630EC9541}"/>
+                <a16:creationId xmlns:a16="http://schemas.microsoft.com/office/drawing/2014/main" id="{B2BA55F0-D345-4041-AC75-6FD0E07B6883}"/>
               </a:ext>
             </a:extLst>
           </p:cNvPr>
-          <p:cNvSpPr>
-            <a:spLocks noGrp="1"/>
-          </p:cNvSpPr>
-          <p:nvPr>
-            <p:ph idx="1"/>
-          </p:nvPr>
-        </p:nvSpPr>
-        <p:spPr/>
-        <p:txBody>
-          <a:bodyPr/>
-          <a:lstStyle/>
-          <a:p>
-            <a:endParaRPr lang="es-AR"/>
-          </a:p>
-        </p:txBody>
-      </p:sp>
+          <p:cNvPicPr>
+            <a:picLocks noChangeAspect="1"/>
+          </p:cNvPicPr>
+          <p:nvPr/>
+        </p:nvPicPr>
+        <p:blipFill>
+          <a:blip r:embed="rId2">
+            <a:extLst>
+              <a:ext uri="{28A0092B-C50C-407E-A947-70E740481C1C}">
+                <a14:useLocalDpi xmlns:a14="http://schemas.microsoft.com/office/drawing/2010/main" val="0"/>
+              </a:ext>
+            </a:extLst>
+          </a:blip>
+          <a:stretch>
+            <a:fillRect/>
+          </a:stretch>
+        </p:blipFill>
+        <p:spPr>
+          <a:xfrm>
+            <a:off x="2528348" y="2206260"/>
+            <a:ext cx="6789275" cy="4395876"/>
+          </a:xfrm>
+          <a:prstGeom prst="rect">
+            <a:avLst/>
+          </a:prstGeom>
+        </p:spPr>
+      </p:pic>
     </p:spTree>
     <p:extLst>
       <p:ext uri="{BB962C8B-B14F-4D97-AF65-F5344CB8AC3E}">
@@ -8224,6 +8235,108 @@
       </p:grpSpPr>
       <p:sp>
         <p:nvSpPr>
+          <p:cNvPr id="6" name="Título 1">
+            <a:extLst>
+              <a:ext uri="{FF2B5EF4-FFF2-40B4-BE49-F238E27FC236}">
+                <a16:creationId xmlns:a16="http://schemas.microsoft.com/office/drawing/2014/main" id="{E55717A6-6DB1-41F9-A140-4753ADE6C212}"/>
+              </a:ext>
+            </a:extLst>
+          </p:cNvPr>
+          <p:cNvSpPr>
+            <a:spLocks noGrp="1"/>
+          </p:cNvSpPr>
+          <p:nvPr>
+            <p:ph type="title"/>
+          </p:nvPr>
+        </p:nvSpPr>
+        <p:spPr>
+          <a:xfrm>
+            <a:off x="100668" y="765928"/>
+            <a:ext cx="10193514" cy="1080938"/>
+          </a:xfrm>
+        </p:spPr>
+        <p:txBody>
+          <a:bodyPr>
+            <a:normAutofit/>
+          </a:bodyPr>
+          <a:lstStyle/>
+          <a:p>
+            <a:r>
+              <a:rPr lang="en-US" sz="3200" dirty="0"/>
+              <a:t>DIAGRAMA DE TABLAS CONTROL DE DISTRIBUIDORA N.2</a:t>
+            </a:r>
+            <a:endParaRPr lang="es-AR" sz="3200" dirty="0"/>
+          </a:p>
+        </p:txBody>
+      </p:sp>
+      <p:pic>
+        <p:nvPicPr>
+          <p:cNvPr id="5" name="Imagen 4">
+            <a:extLst>
+              <a:ext uri="{FF2B5EF4-FFF2-40B4-BE49-F238E27FC236}">
+                <a16:creationId xmlns:a16="http://schemas.microsoft.com/office/drawing/2014/main" id="{93B3002C-397F-4325-BED8-1624F83E505A}"/>
+              </a:ext>
+            </a:extLst>
+          </p:cNvPr>
+          <p:cNvPicPr>
+            <a:picLocks noChangeAspect="1"/>
+          </p:cNvPicPr>
+          <p:nvPr/>
+        </p:nvPicPr>
+        <p:blipFill>
+          <a:blip r:embed="rId2">
+            <a:extLst>
+              <a:ext uri="{28A0092B-C50C-407E-A947-70E740481C1C}">
+                <a14:useLocalDpi xmlns:a14="http://schemas.microsoft.com/office/drawing/2010/main" val="0"/>
+              </a:ext>
+            </a:extLst>
+          </a:blip>
+          <a:stretch>
+            <a:fillRect/>
+          </a:stretch>
+        </p:blipFill>
+        <p:spPr>
+          <a:xfrm>
+            <a:off x="669121" y="2385134"/>
+            <a:ext cx="10853758" cy="4011013"/>
+          </a:xfrm>
+          <a:prstGeom prst="rect">
+            <a:avLst/>
+          </a:prstGeom>
+        </p:spPr>
+      </p:pic>
+    </p:spTree>
+    <p:extLst>
+      <p:ext uri="{BB962C8B-B14F-4D97-AF65-F5344CB8AC3E}">
+        <p14:creationId xmlns:p14="http://schemas.microsoft.com/office/powerpoint/2010/main" val="784222957"/>
+      </p:ext>
+    </p:extLst>
+  </p:cSld>
+  <p:clrMapOvr>
+    <a:masterClrMapping/>
+  </p:clrMapOvr>
+</p:sld>
+</file>
+
+<file path=ppt/slides/slide12.xml><?xml version="1.0" encoding="utf-8"?>
+<p:sld xmlns:a="http://schemas.openxmlformats.org/drawingml/2006/main" xmlns:r="http://schemas.openxmlformats.org/officeDocument/2006/relationships" xmlns:p="http://schemas.openxmlformats.org/presentationml/2006/main">
+  <p:cSld>
+    <p:spTree>
+      <p:nvGrpSpPr>
+        <p:cNvPr id="1" name=""/>
+        <p:cNvGrpSpPr/>
+        <p:nvPr/>
+      </p:nvGrpSpPr>
+      <p:grpSpPr>
+        <a:xfrm>
+          <a:off x="0" y="0"/>
+          <a:ext cx="0" cy="0"/>
+          <a:chOff x="0" y="0"/>
+          <a:chExt cx="0" cy="0"/>
+        </a:xfrm>
+      </p:grpSpPr>
+      <p:sp>
+        <p:nvSpPr>
           <p:cNvPr id="2" name="Título 1">
             <a:extLst>
               <a:ext uri="{FF2B5EF4-FFF2-40B4-BE49-F238E27FC236}">
@@ -8372,7 +8485,7 @@
 </p:sld>
 </file>
 
-<file path=ppt/slides/slide12.xml><?xml version="1.0" encoding="utf-8"?>
+<file path=ppt/slides/slide13.xml><?xml version="1.0" encoding="utf-8"?>
 <p:sld xmlns:a="http://schemas.openxmlformats.org/drawingml/2006/main" xmlns:r="http://schemas.openxmlformats.org/officeDocument/2006/relationships" xmlns:p="http://schemas.openxmlformats.org/presentationml/2006/main">
   <p:cSld>
     <p:spTree>
@@ -8539,7 +8652,7 @@
 </p:sld>
 </file>
 
-<file path=ppt/slides/slide13.xml><?xml version="1.0" encoding="utf-8"?>
+<file path=ppt/slides/slide14.xml><?xml version="1.0" encoding="utf-8"?>
 <p:sld xmlns:a="http://schemas.openxmlformats.org/drawingml/2006/main" xmlns:r="http://schemas.openxmlformats.org/officeDocument/2006/relationships" xmlns:p="http://schemas.openxmlformats.org/presentationml/2006/main">
   <p:cSld>
     <p:spTree>
@@ -8706,7 +8819,7 @@
 </p:sld>
 </file>
 
-<file path=ppt/slides/slide14.xml><?xml version="1.0" encoding="utf-8"?>
+<file path=ppt/slides/slide15.xml><?xml version="1.0" encoding="utf-8"?>
 <p:sld xmlns:a="http://schemas.openxmlformats.org/drawingml/2006/main" xmlns:r="http://schemas.openxmlformats.org/officeDocument/2006/relationships" xmlns:p="http://schemas.openxmlformats.org/presentationml/2006/main">
   <p:cSld>
     <p:spTree>
@@ -8801,7 +8914,7 @@
 </p:sld>
 </file>
 
-<file path=ppt/slides/slide15.xml><?xml version="1.0" encoding="utf-8"?>
+<file path=ppt/slides/slide16.xml><?xml version="1.0" encoding="utf-8"?>
 <p:sld xmlns:a="http://schemas.openxmlformats.org/drawingml/2006/main" xmlns:r="http://schemas.openxmlformats.org/officeDocument/2006/relationships" xmlns:p="http://schemas.openxmlformats.org/presentationml/2006/main">
   <p:cSld>
     <p:spTree>
@@ -8932,7 +9045,7 @@
 </p:sld>
 </file>
 
-<file path=ppt/slides/slide16.xml><?xml version="1.0" encoding="utf-8"?>
+<file path=ppt/slides/slide17.xml><?xml version="1.0" encoding="utf-8"?>
 <p:sld xmlns:a="http://schemas.openxmlformats.org/drawingml/2006/main" xmlns:r="http://schemas.openxmlformats.org/officeDocument/2006/relationships" xmlns:p="http://schemas.openxmlformats.org/presentationml/2006/main">
   <p:cSld>
     <p:spTree>
@@ -9063,90 +9176,6 @@
 </p:sld>
 </file>
 
-<file path=ppt/slides/slide17.xml><?xml version="1.0" encoding="utf-8"?>
-<p:sld xmlns:a="http://schemas.openxmlformats.org/drawingml/2006/main" xmlns:r="http://schemas.openxmlformats.org/officeDocument/2006/relationships" xmlns:p="http://schemas.openxmlformats.org/presentationml/2006/main">
-  <p:cSld>
-    <p:spTree>
-      <p:nvGrpSpPr>
-        <p:cNvPr id="1" name=""/>
-        <p:cNvGrpSpPr/>
-        <p:nvPr/>
-      </p:nvGrpSpPr>
-      <p:grpSpPr>
-        <a:xfrm>
-          <a:off x="0" y="0"/>
-          <a:ext cx="0" cy="0"/>
-          <a:chOff x="0" y="0"/>
-          <a:chExt cx="0" cy="0"/>
-        </a:xfrm>
-      </p:grpSpPr>
-      <p:sp>
-        <p:nvSpPr>
-          <p:cNvPr id="2" name="Título 1">
-            <a:extLst>
-              <a:ext uri="{FF2B5EF4-FFF2-40B4-BE49-F238E27FC236}">
-                <a16:creationId xmlns:a16="http://schemas.microsoft.com/office/drawing/2014/main" id="{AA770A03-87DA-42DE-AD9A-63D28FF7C04C}"/>
-              </a:ext>
-            </a:extLst>
-          </p:cNvPr>
-          <p:cNvSpPr>
-            <a:spLocks noGrp="1"/>
-          </p:cNvSpPr>
-          <p:nvPr>
-            <p:ph type="title"/>
-          </p:nvPr>
-        </p:nvSpPr>
-        <p:spPr/>
-        <p:txBody>
-          <a:bodyPr/>
-          <a:lstStyle/>
-          <a:p>
-            <a:r>
-              <a:rPr lang="en-US" dirty="0"/>
-              <a:t>DATOS DE GRAFICOS</a:t>
-            </a:r>
-            <a:endParaRPr lang="es-AR" dirty="0"/>
-          </a:p>
-        </p:txBody>
-      </p:sp>
-      <p:sp>
-        <p:nvSpPr>
-          <p:cNvPr id="6" name="Marcador de contenido 5">
-            <a:extLst>
-              <a:ext uri="{FF2B5EF4-FFF2-40B4-BE49-F238E27FC236}">
-                <a16:creationId xmlns:a16="http://schemas.microsoft.com/office/drawing/2014/main" id="{5C6D18F8-1B9D-49A0-8A58-C7109B2DF65F}"/>
-              </a:ext>
-            </a:extLst>
-          </p:cNvPr>
-          <p:cNvSpPr>
-            <a:spLocks noGrp="1"/>
-          </p:cNvSpPr>
-          <p:nvPr>
-            <p:ph idx="1"/>
-          </p:nvPr>
-        </p:nvSpPr>
-        <p:spPr/>
-        <p:txBody>
-          <a:bodyPr/>
-          <a:lstStyle/>
-          <a:p>
-            <a:endParaRPr lang="es-AR"/>
-          </a:p>
-        </p:txBody>
-      </p:sp>
-    </p:spTree>
-    <p:extLst>
-      <p:ext uri="{BB962C8B-B14F-4D97-AF65-F5344CB8AC3E}">
-        <p14:creationId xmlns:p14="http://schemas.microsoft.com/office/powerpoint/2010/main" val="569820560"/>
-      </p:ext>
-    </p:extLst>
-  </p:cSld>
-  <p:clrMapOvr>
-    <a:masterClrMapping/>
-  </p:clrMapOvr>
-</p:sld>
-</file>
-
 <file path=ppt/slides/slide18.xml><?xml version="1.0" encoding="utf-8"?>
 <p:sld xmlns:a="http://schemas.openxmlformats.org/drawingml/2006/main" xmlns:r="http://schemas.openxmlformats.org/officeDocument/2006/relationships" xmlns:p="http://schemas.openxmlformats.org/presentationml/2006/main">
   <p:cSld>
@@ -9224,12 +9253,12 @@
           <a:bodyPr/>
           <a:lstStyle/>
           <a:p>
-            <a:pPr marL="0" indent="0">
+            <a:pPr marL="0" indent="0" algn="ctr">
               <a:buNone/>
             </a:pPr>
             <a:r>
               <a:rPr lang="en-US" dirty="0"/>
-              <a:t>Trabajo realizado como “Proyecto Final” para el curso “SQL” de CoderHouse. Fecha: ??/??/????</a:t>
+              <a:t>Trabajo realizado como “Proyecto Final” para el curso “SQL” de CoderHouse. </a:t>
             </a:r>
             <a:endParaRPr lang="es-AR" dirty="0"/>
           </a:p>
@@ -9299,8 +9328,44 @@
         </p:blipFill>
         <p:spPr>
           <a:xfrm>
-            <a:off x="5990790" y="3964804"/>
-            <a:ext cx="4000500" cy="2070571"/>
+            <a:off x="4827531" y="4200377"/>
+            <a:ext cx="2341106" cy="1211705"/>
+          </a:xfrm>
+          <a:prstGeom prst="rect">
+            <a:avLst/>
+          </a:prstGeom>
+        </p:spPr>
+      </p:pic>
+      <p:pic>
+        <p:nvPicPr>
+          <p:cNvPr id="9" name="Imagen 8">
+            <a:extLst>
+              <a:ext uri="{FF2B5EF4-FFF2-40B4-BE49-F238E27FC236}">
+                <a16:creationId xmlns:a16="http://schemas.microsoft.com/office/drawing/2014/main" id="{278E22E6-B98C-44B2-AAC9-451A647484A3}"/>
+              </a:ext>
+            </a:extLst>
+          </p:cNvPr>
+          <p:cNvPicPr>
+            <a:picLocks noChangeAspect="1"/>
+          </p:cNvPicPr>
+          <p:nvPr/>
+        </p:nvPicPr>
+        <p:blipFill>
+          <a:blip r:embed="rId4">
+            <a:extLst>
+              <a:ext uri="{28A0092B-C50C-407E-A947-70E740481C1C}">
+                <a14:useLocalDpi xmlns:a14="http://schemas.microsoft.com/office/drawing/2010/main" val="0"/>
+              </a:ext>
+            </a:extLst>
+          </a:blip>
+          <a:stretch>
+            <a:fillRect/>
+          </a:stretch>
+        </p:blipFill>
+        <p:spPr>
+          <a:xfrm>
+            <a:off x="7886849" y="4389269"/>
+            <a:ext cx="3624831" cy="951368"/>
           </a:xfrm>
           <a:prstGeom prst="rect">
             <a:avLst/>
@@ -9390,7 +9455,7 @@
         </p:spPr>
         <p:txBody>
           <a:bodyPr>
-            <a:normAutofit lnSpcReduction="10000"/>
+            <a:normAutofit/>
           </a:bodyPr>
           <a:lstStyle/>
           <a:p>
@@ -9439,12 +9504,6 @@
             <a:r>
               <a:rPr lang="en-US" dirty="0"/>
               <a:t>Muestra de Tablas</a:t>
-            </a:r>
-          </a:p>
-          <a:p>
-            <a:r>
-              <a:rPr lang="es-AR" dirty="0"/>
-              <a:t>Datos de Graficos</a:t>
             </a:r>
           </a:p>
           <a:p>
@@ -9480,7 +9539,7 @@
         </p:spPr>
         <p:txBody>
           <a:bodyPr vert="horz" lIns="91440" tIns="45720" rIns="91440" bIns="45720" rtlCol="0">
-            <a:normAutofit lnSpcReduction="10000"/>
+            <a:normAutofit/>
           </a:bodyPr>
           <a:lstStyle>
             <a:lvl1pPr marL="228600" indent="-228600" algn="l" defTabSz="914400" rtl="0" eaLnBrk="1" latinLnBrk="0" hangingPunct="1">
@@ -9705,7 +9764,7 @@
               <a:rPr lang="en-US" dirty="0">
                 <a:hlinkClick r:id="rId8" action="ppaction://hlinksldjump"/>
               </a:rPr>
-              <a:t>Pag.10</a:t>
+              <a:t>Pag.10-11</a:t>
             </a:r>
             <a:endParaRPr lang="en-US" dirty="0"/>
           </a:p>
@@ -9714,21 +9773,18 @@
               <a:rPr lang="en-US" dirty="0">
                 <a:hlinkClick r:id="rId9" action="ppaction://hlinksldjump"/>
               </a:rPr>
-              <a:t>Pag.11-16 </a:t>
+              <a:t>Pag.12-17 </a:t>
             </a:r>
             <a:endParaRPr lang="en-US" dirty="0"/>
           </a:p>
           <a:p>
             <a:r>
-              <a:rPr lang="en-US" dirty="0"/>
-              <a:t>Pag.17</a:t>
-            </a:r>
-          </a:p>
-          <a:p>
-            <a:r>
-              <a:rPr lang="en-US" dirty="0"/>
+              <a:rPr lang="en-US" dirty="0">
+                <a:hlinkClick r:id="rId10" action="ppaction://hlinksldjump"/>
+              </a:rPr>
               <a:t>Pag.18</a:t>
             </a:r>
+            <a:endParaRPr lang="en-US" dirty="0"/>
           </a:p>
         </p:txBody>
       </p:sp>
